--- a/一页PPT-冯敏远.pptx
+++ b/一页PPT-冯敏远.pptx
@@ -6,11 +6,13 @@
     <p:sldMasterId id="2147483660" r:id="rId2"/>
   </p:sldMasterIdLst>
   <p:notesMasterIdLst>
-    <p:notesMasterId r:id="rId5"/>
+    <p:notesMasterId r:id="rId7"/>
   </p:notesMasterIdLst>
   <p:sldIdLst>
-    <p:sldId id="1276" r:id="rId3"/>
-    <p:sldId id="1281" r:id="rId4"/>
+    <p:sldId id="256" r:id="rId3"/>
+    <p:sldId id="257" r:id="rId4"/>
+    <p:sldId id="1276" r:id="rId5"/>
+    <p:sldId id="1281" r:id="rId6"/>
   </p:sldIdLst>
   <p:sldSz cx="12192000" cy="6858000"/>
   <p:notesSz cx="6858000" cy="9144000"/>
@@ -462,6 +464,174 @@
 </file>
 
 <file path=ppt/notesSlides/notesSlide1.xml><?xml version="1.0" encoding="utf-8"?>
+<p:notes xmlns:a="http://schemas.openxmlformats.org/drawingml/2006/main" xmlns:r="http://schemas.openxmlformats.org/officeDocument/2006/relationships" xmlns:p="http://schemas.openxmlformats.org/presentationml/2006/main">
+  <p:cSld>
+    <p:spTree>
+      <p:nvGrpSpPr>
+        <p:cNvPr id="1" name=""/>
+        <p:cNvGrpSpPr/>
+        <p:nvPr/>
+      </p:nvGrpSpPr>
+      <p:grpSpPr>
+        <a:xfrm>
+          <a:off x="0" y="0"/>
+          <a:ext cx="0" cy="0"/>
+          <a:chOff x="0" y="0"/>
+          <a:chExt cx="0" cy="0"/>
+        </a:xfrm>
+      </p:grpSpPr>
+      <p:sp>
+        <p:nvSpPr>
+          <p:cNvPr id="2" name="幻灯片图像占位符 1"/>
+          <p:cNvSpPr>
+            <a:spLocks noGrp="1" noRot="1" noChangeAspect="1"/>
+          </p:cNvSpPr>
+          <p:nvPr>
+            <p:ph type="sldImg"/>
+          </p:nvPr>
+        </p:nvSpPr>
+        <p:spPr/>
+      </p:sp>
+      <p:sp>
+        <p:nvSpPr>
+          <p:cNvPr id="3" name="备注占位符 2"/>
+          <p:cNvSpPr>
+            <a:spLocks noGrp="1"/>
+          </p:cNvSpPr>
+          <p:nvPr>
+            <p:ph type="body" idx="1"/>
+          </p:nvPr>
+        </p:nvSpPr>
+        <p:spPr/>
+        <p:txBody>
+          <a:bodyPr/>
+          <a:lstStyle/>
+          <a:p>
+            <a:endParaRPr lang="zh-CN" altLang="en-US" dirty="0"/>
+          </a:p>
+        </p:txBody>
+      </p:sp>
+      <p:sp>
+        <p:nvSpPr>
+          <p:cNvPr id="4" name="灯片编号占位符 3"/>
+          <p:cNvSpPr>
+            <a:spLocks noGrp="1"/>
+          </p:cNvSpPr>
+          <p:nvPr>
+            <p:ph type="sldNum" sz="quarter" idx="5"/>
+          </p:nvPr>
+        </p:nvSpPr>
+        <p:spPr/>
+        <p:txBody>
+          <a:bodyPr/>
+          <a:lstStyle/>
+          <a:p>
+            <a:fld id="{085902D2-C8B7-4C41-97B9-DA6E41138CEF}" type="slidenum">
+              <a:rPr lang="zh-CN" altLang="en-US" smtClean="0"/>
+              <a:t>1</a:t>
+            </a:fld>
+            <a:endParaRPr lang="zh-CN" altLang="en-US"/>
+          </a:p>
+        </p:txBody>
+      </p:sp>
+    </p:spTree>
+    <p:extLst>
+      <p:ext uri="{BB962C8B-B14F-4D97-AF65-F5344CB8AC3E}">
+        <p14:creationId xmlns:p14="http://schemas.microsoft.com/office/powerpoint/2010/main" val="2729231664"/>
+      </p:ext>
+    </p:extLst>
+  </p:cSld>
+  <p:clrMapOvr>
+    <a:masterClrMapping/>
+  </p:clrMapOvr>
+</p:notes>
+</file>
+
+<file path=ppt/notesSlides/notesSlide2.xml><?xml version="1.0" encoding="utf-8"?>
+<p:notes xmlns:a="http://schemas.openxmlformats.org/drawingml/2006/main" xmlns:r="http://schemas.openxmlformats.org/officeDocument/2006/relationships" xmlns:p="http://schemas.openxmlformats.org/presentationml/2006/main">
+  <p:cSld>
+    <p:spTree>
+      <p:nvGrpSpPr>
+        <p:cNvPr id="1" name=""/>
+        <p:cNvGrpSpPr/>
+        <p:nvPr/>
+      </p:nvGrpSpPr>
+      <p:grpSpPr>
+        <a:xfrm>
+          <a:off x="0" y="0"/>
+          <a:ext cx="0" cy="0"/>
+          <a:chOff x="0" y="0"/>
+          <a:chExt cx="0" cy="0"/>
+        </a:xfrm>
+      </p:grpSpPr>
+      <p:sp>
+        <p:nvSpPr>
+          <p:cNvPr id="2" name="幻灯片图像占位符 1"/>
+          <p:cNvSpPr>
+            <a:spLocks noGrp="1" noRot="1" noChangeAspect="1"/>
+          </p:cNvSpPr>
+          <p:nvPr>
+            <p:ph type="sldImg"/>
+          </p:nvPr>
+        </p:nvSpPr>
+        <p:spPr/>
+      </p:sp>
+      <p:sp>
+        <p:nvSpPr>
+          <p:cNvPr id="3" name="备注占位符 2"/>
+          <p:cNvSpPr>
+            <a:spLocks noGrp="1"/>
+          </p:cNvSpPr>
+          <p:nvPr>
+            <p:ph type="body" idx="1"/>
+          </p:nvPr>
+        </p:nvSpPr>
+        <p:spPr/>
+        <p:txBody>
+          <a:bodyPr/>
+          <a:lstStyle/>
+          <a:p>
+            <a:endParaRPr lang="zh-CN" altLang="en-US" dirty="0"/>
+          </a:p>
+        </p:txBody>
+      </p:sp>
+      <p:sp>
+        <p:nvSpPr>
+          <p:cNvPr id="4" name="灯片编号占位符 3"/>
+          <p:cNvSpPr>
+            <a:spLocks noGrp="1"/>
+          </p:cNvSpPr>
+          <p:nvPr>
+            <p:ph type="sldNum" sz="quarter" idx="5"/>
+          </p:nvPr>
+        </p:nvSpPr>
+        <p:spPr/>
+        <p:txBody>
+          <a:bodyPr/>
+          <a:lstStyle/>
+          <a:p>
+            <a:fld id="{085902D2-C8B7-4C41-97B9-DA6E41138CEF}" type="slidenum">
+              <a:rPr lang="zh-CN" altLang="en-US" smtClean="0"/>
+              <a:t>2</a:t>
+            </a:fld>
+            <a:endParaRPr lang="zh-CN" altLang="en-US"/>
+          </a:p>
+        </p:txBody>
+      </p:sp>
+    </p:spTree>
+    <p:extLst>
+      <p:ext uri="{BB962C8B-B14F-4D97-AF65-F5344CB8AC3E}">
+        <p14:creationId xmlns:p14="http://schemas.microsoft.com/office/powerpoint/2010/main" val="767149446"/>
+      </p:ext>
+    </p:extLst>
+  </p:cSld>
+  <p:clrMapOvr>
+    <a:masterClrMapping/>
+  </p:clrMapOvr>
+</p:notes>
+</file>
+
+<file path=ppt/notesSlides/notesSlide3.xml><?xml version="1.0" encoding="utf-8"?>
 <p:notes xmlns:a="http://schemas.openxmlformats.org/drawingml/2006/main" xmlns:r="http://schemas.openxmlformats.org/officeDocument/2006/relationships" xmlns:p="http://schemas.openxmlformats.org/presentationml/2006/main">
   <p:cSld>
     <p:spTree>
@@ -8095,6 +8265,2003 @@
           <a:chExt cx="0" cy="0"/>
         </a:xfrm>
       </p:grpSpPr>
+      <p:pic>
+        <p:nvPicPr>
+          <p:cNvPr id="4" name="图片 3">
+            <a:extLst>
+              <a:ext uri="{FF2B5EF4-FFF2-40B4-BE49-F238E27FC236}">
+                <a16:creationId xmlns:a16="http://schemas.microsoft.com/office/drawing/2014/main" id="{6796E0A9-234B-4C8C-9320-8362AF929F2A}"/>
+              </a:ext>
+            </a:extLst>
+          </p:cNvPr>
+          <p:cNvPicPr>
+            <a:picLocks noChangeAspect="1"/>
+          </p:cNvPicPr>
+          <p:nvPr/>
+        </p:nvPicPr>
+        <p:blipFill>
+          <a:blip r:embed="rId3"/>
+          <a:stretch>
+            <a:fillRect/>
+          </a:stretch>
+        </p:blipFill>
+        <p:spPr>
+          <a:xfrm>
+            <a:off x="194400" y="360601"/>
+            <a:ext cx="1213779" cy="2315172"/>
+          </a:xfrm>
+          <a:prstGeom prst="rect">
+            <a:avLst/>
+          </a:prstGeom>
+        </p:spPr>
+      </p:pic>
+      <p:pic>
+        <p:nvPicPr>
+          <p:cNvPr id="13" name="图片 12">
+            <a:extLst>
+              <a:ext uri="{FF2B5EF4-FFF2-40B4-BE49-F238E27FC236}">
+                <a16:creationId xmlns:a16="http://schemas.microsoft.com/office/drawing/2014/main" id="{19EB707F-4321-4589-B1E5-79583F57B9B6}"/>
+              </a:ext>
+            </a:extLst>
+          </p:cNvPr>
+          <p:cNvPicPr>
+            <a:picLocks noChangeAspect="1"/>
+          </p:cNvPicPr>
+          <p:nvPr/>
+        </p:nvPicPr>
+        <p:blipFill>
+          <a:blip r:embed="rId4"/>
+          <a:stretch>
+            <a:fillRect/>
+          </a:stretch>
+        </p:blipFill>
+        <p:spPr>
+          <a:xfrm>
+            <a:off x="8967398" y="361658"/>
+            <a:ext cx="1145541" cy="1094525"/>
+          </a:xfrm>
+          <a:prstGeom prst="rect">
+            <a:avLst/>
+          </a:prstGeom>
+        </p:spPr>
+      </p:pic>
+      <p:pic>
+        <p:nvPicPr>
+          <p:cNvPr id="15" name="图片 14">
+            <a:extLst>
+              <a:ext uri="{FF2B5EF4-FFF2-40B4-BE49-F238E27FC236}">
+                <a16:creationId xmlns:a16="http://schemas.microsoft.com/office/drawing/2014/main" id="{98F60AB1-0C3D-4C1B-9A45-89F4BB47A052}"/>
+              </a:ext>
+            </a:extLst>
+          </p:cNvPr>
+          <p:cNvPicPr>
+            <a:picLocks noChangeAspect="1"/>
+          </p:cNvPicPr>
+          <p:nvPr/>
+        </p:nvPicPr>
+        <p:blipFill>
+          <a:blip r:embed="rId5"/>
+          <a:stretch>
+            <a:fillRect/>
+          </a:stretch>
+        </p:blipFill>
+        <p:spPr>
+          <a:xfrm>
+            <a:off x="10635280" y="360601"/>
+            <a:ext cx="976532" cy="1099660"/>
+          </a:xfrm>
+          <a:prstGeom prst="rect">
+            <a:avLst/>
+          </a:prstGeom>
+        </p:spPr>
+      </p:pic>
+      <p:pic>
+        <p:nvPicPr>
+          <p:cNvPr id="17" name="图片 16">
+            <a:extLst>
+              <a:ext uri="{FF2B5EF4-FFF2-40B4-BE49-F238E27FC236}">
+                <a16:creationId xmlns:a16="http://schemas.microsoft.com/office/drawing/2014/main" id="{49D4E3D5-59AA-4451-8A96-6FEE3F674B44}"/>
+              </a:ext>
+            </a:extLst>
+          </p:cNvPr>
+          <p:cNvPicPr>
+            <a:picLocks noChangeAspect="1"/>
+          </p:cNvPicPr>
+          <p:nvPr/>
+        </p:nvPicPr>
+        <p:blipFill>
+          <a:blip r:embed="rId6"/>
+          <a:stretch>
+            <a:fillRect/>
+          </a:stretch>
+        </p:blipFill>
+        <p:spPr>
+          <a:xfrm>
+            <a:off x="9044352" y="1669666"/>
+            <a:ext cx="1145541" cy="1099660"/>
+          </a:xfrm>
+          <a:prstGeom prst="rect">
+            <a:avLst/>
+          </a:prstGeom>
+        </p:spPr>
+      </p:pic>
+      <p:pic>
+        <p:nvPicPr>
+          <p:cNvPr id="19" name="图片 18">
+            <a:extLst>
+              <a:ext uri="{FF2B5EF4-FFF2-40B4-BE49-F238E27FC236}">
+                <a16:creationId xmlns:a16="http://schemas.microsoft.com/office/drawing/2014/main" id="{36F7420A-623F-407B-941B-FC03A9E6DC58}"/>
+              </a:ext>
+            </a:extLst>
+          </p:cNvPr>
+          <p:cNvPicPr>
+            <a:picLocks noChangeAspect="1"/>
+          </p:cNvPicPr>
+          <p:nvPr/>
+        </p:nvPicPr>
+        <p:blipFill>
+          <a:blip r:embed="rId7"/>
+          <a:stretch>
+            <a:fillRect/>
+          </a:stretch>
+        </p:blipFill>
+        <p:spPr>
+          <a:xfrm>
+            <a:off x="10466897" y="1596512"/>
+            <a:ext cx="1251405" cy="1172814"/>
+          </a:xfrm>
+          <a:prstGeom prst="rect">
+            <a:avLst/>
+          </a:prstGeom>
+        </p:spPr>
+      </p:pic>
+      <p:pic>
+        <p:nvPicPr>
+          <p:cNvPr id="1026" name="Picture 2" descr="Google">
+            <a:extLst>
+              <a:ext uri="{FF2B5EF4-FFF2-40B4-BE49-F238E27FC236}">
+                <a16:creationId xmlns:a16="http://schemas.microsoft.com/office/drawing/2014/main" id="{CF480A8B-1151-4ACE-8F80-5B5D565951DD}"/>
+              </a:ext>
+            </a:extLst>
+          </p:cNvPr>
+          <p:cNvPicPr>
+            <a:picLocks noChangeAspect="1" noChangeArrowheads="1"/>
+          </p:cNvPicPr>
+          <p:nvPr/>
+        </p:nvPicPr>
+        <p:blipFill>
+          <a:blip r:embed="rId8">
+            <a:extLst>
+              <a:ext uri="{28A0092B-C50C-407E-A947-70E740481C1C}">
+                <a14:useLocalDpi xmlns:a14="http://schemas.microsoft.com/office/drawing/2010/main" val="0"/>
+              </a:ext>
+            </a:extLst>
+          </a:blip>
+          <a:srcRect/>
+          <a:stretch>
+            <a:fillRect/>
+          </a:stretch>
+        </p:blipFill>
+        <p:spPr bwMode="auto">
+          <a:xfrm>
+            <a:off x="8828895" y="2851076"/>
+            <a:ext cx="1422545" cy="1422545"/>
+          </a:xfrm>
+          <a:prstGeom prst="rect">
+            <a:avLst/>
+          </a:prstGeom>
+          <a:noFill/>
+          <a:extLst>
+            <a:ext uri="{909E8E84-426E-40DD-AFC4-6F175D3DCCD1}">
+              <a14:hiddenFill xmlns:a14="http://schemas.microsoft.com/office/drawing/2010/main">
+                <a:solidFill>
+                  <a:srgbClr val="FFFFFF"/>
+                </a:solidFill>
+              </a14:hiddenFill>
+            </a:ext>
+          </a:extLst>
+        </p:spPr>
+      </p:pic>
+      <p:pic>
+        <p:nvPicPr>
+          <p:cNvPr id="1028" name="Picture 4" descr="QQ浏览器2025官方下载-QQ浏览器app 最新版本免费使用-应用宝正版安全下载">
+            <a:extLst>
+              <a:ext uri="{FF2B5EF4-FFF2-40B4-BE49-F238E27FC236}">
+                <a16:creationId xmlns:a16="http://schemas.microsoft.com/office/drawing/2014/main" id="{E03F89F0-093A-4A28-9D73-6AB5C0FE943D}"/>
+              </a:ext>
+            </a:extLst>
+          </p:cNvPr>
+          <p:cNvPicPr>
+            <a:picLocks noChangeAspect="1" noChangeArrowheads="1"/>
+          </p:cNvPicPr>
+          <p:nvPr/>
+        </p:nvPicPr>
+        <p:blipFill rotWithShape="1">
+          <a:blip r:embed="rId9">
+            <a:extLst>
+              <a:ext uri="{28A0092B-C50C-407E-A947-70E740481C1C}">
+                <a14:useLocalDpi xmlns:a14="http://schemas.microsoft.com/office/drawing/2010/main" val="0"/>
+              </a:ext>
+            </a:extLst>
+          </a:blip>
+          <a:srcRect l="6578" t="10992" r="5779" b="4674"/>
+          <a:stretch/>
+        </p:blipFill>
+        <p:spPr bwMode="auto">
+          <a:xfrm>
+            <a:off x="10466897" y="2977858"/>
+            <a:ext cx="1218822" cy="1172813"/>
+          </a:xfrm>
+          <a:prstGeom prst="rect">
+            <a:avLst/>
+          </a:prstGeom>
+          <a:noFill/>
+          <a:extLst>
+            <a:ext uri="{909E8E84-426E-40DD-AFC4-6F175D3DCCD1}">
+              <a14:hiddenFill xmlns:a14="http://schemas.microsoft.com/office/drawing/2010/main">
+                <a:solidFill>
+                  <a:srgbClr val="FFFFFF"/>
+                </a:solidFill>
+              </a14:hiddenFill>
+            </a:ext>
+          </a:extLst>
+        </p:spPr>
+      </p:pic>
+      <p:pic>
+        <p:nvPicPr>
+          <p:cNvPr id="21" name="图片 20">
+            <a:extLst>
+              <a:ext uri="{FF2B5EF4-FFF2-40B4-BE49-F238E27FC236}">
+                <a16:creationId xmlns:a16="http://schemas.microsoft.com/office/drawing/2014/main" id="{9B46614F-AE57-46A4-9A5A-C3094BA8CDF3}"/>
+              </a:ext>
+            </a:extLst>
+          </p:cNvPr>
+          <p:cNvPicPr>
+            <a:picLocks noChangeAspect="1"/>
+          </p:cNvPicPr>
+          <p:nvPr/>
+        </p:nvPicPr>
+        <p:blipFill>
+          <a:blip r:embed="rId10"/>
+          <a:stretch>
+            <a:fillRect/>
+          </a:stretch>
+        </p:blipFill>
+        <p:spPr>
+          <a:xfrm>
+            <a:off x="9003166" y="4355371"/>
+            <a:ext cx="1068587" cy="1025412"/>
+          </a:xfrm>
+          <a:prstGeom prst="rect">
+            <a:avLst/>
+          </a:prstGeom>
+        </p:spPr>
+      </p:pic>
+      <p:pic>
+        <p:nvPicPr>
+          <p:cNvPr id="25" name="图片 24">
+            <a:extLst>
+              <a:ext uri="{FF2B5EF4-FFF2-40B4-BE49-F238E27FC236}">
+                <a16:creationId xmlns:a16="http://schemas.microsoft.com/office/drawing/2014/main" id="{7DAA8231-3F1F-463C-A5C8-93435B176D2C}"/>
+              </a:ext>
+            </a:extLst>
+          </p:cNvPr>
+          <p:cNvPicPr>
+            <a:picLocks noChangeAspect="1"/>
+          </p:cNvPicPr>
+          <p:nvPr/>
+        </p:nvPicPr>
+        <p:blipFill>
+          <a:blip r:embed="rId11"/>
+          <a:stretch>
+            <a:fillRect/>
+          </a:stretch>
+        </p:blipFill>
+        <p:spPr>
+          <a:xfrm>
+            <a:off x="10492181" y="4355371"/>
+            <a:ext cx="1293597" cy="1025412"/>
+          </a:xfrm>
+          <a:prstGeom prst="rect">
+            <a:avLst/>
+          </a:prstGeom>
+        </p:spPr>
+      </p:pic>
+      <p:sp>
+        <p:nvSpPr>
+          <p:cNvPr id="42" name="箭头: 右 41">
+            <a:extLst>
+              <a:ext uri="{FF2B5EF4-FFF2-40B4-BE49-F238E27FC236}">
+                <a16:creationId xmlns:a16="http://schemas.microsoft.com/office/drawing/2014/main" id="{9A43E836-C139-48CF-8844-885C8D1D5491}"/>
+              </a:ext>
+            </a:extLst>
+          </p:cNvPr>
+          <p:cNvSpPr/>
+          <p:nvPr/>
+        </p:nvSpPr>
+        <p:spPr>
+          <a:xfrm>
+            <a:off x="3023332" y="4970544"/>
+            <a:ext cx="978408" cy="484632"/>
+          </a:xfrm>
+          <a:prstGeom prst="rightArrow">
+            <a:avLst/>
+          </a:prstGeom>
+        </p:spPr>
+        <p:style>
+          <a:lnRef idx="2">
+            <a:schemeClr val="accent1">
+              <a:shade val="50000"/>
+            </a:schemeClr>
+          </a:lnRef>
+          <a:fillRef idx="1">
+            <a:schemeClr val="accent1"/>
+          </a:fillRef>
+          <a:effectRef idx="0">
+            <a:schemeClr val="accent1"/>
+          </a:effectRef>
+          <a:fontRef idx="minor">
+            <a:schemeClr val="lt1"/>
+          </a:fontRef>
+        </p:style>
+        <p:txBody>
+          <a:bodyPr rtlCol="0" anchor="ctr"/>
+          <a:lstStyle/>
+          <a:p>
+            <a:pPr algn="ctr"/>
+            <a:endParaRPr lang="zh-CN" altLang="en-US"/>
+          </a:p>
+        </p:txBody>
+      </p:sp>
+      <p:sp>
+        <p:nvSpPr>
+          <p:cNvPr id="43" name="文本框 42">
+            <a:extLst>
+              <a:ext uri="{FF2B5EF4-FFF2-40B4-BE49-F238E27FC236}">
+                <a16:creationId xmlns:a16="http://schemas.microsoft.com/office/drawing/2014/main" id="{3B2A8086-C596-4157-BA2A-FCD40D1BEDA2}"/>
+              </a:ext>
+            </a:extLst>
+          </p:cNvPr>
+          <p:cNvSpPr txBox="1"/>
+          <p:nvPr/>
+        </p:nvSpPr>
+        <p:spPr>
+          <a:xfrm>
+            <a:off x="9402452" y="5738905"/>
+            <a:ext cx="1673856" cy="461665"/>
+          </a:xfrm>
+          <a:prstGeom prst="rect">
+            <a:avLst/>
+          </a:prstGeom>
+          <a:noFill/>
+        </p:spPr>
+        <p:txBody>
+          <a:bodyPr wrap="none" rtlCol="0">
+            <a:spAutoFit/>
+          </a:bodyPr>
+          <a:lstStyle/>
+          <a:p>
+            <a:r>
+              <a:rPr lang="zh-CN" altLang="en-US" sz="2400" b="1" dirty="0">
+                <a:solidFill>
+                  <a:schemeClr val="accent1"/>
+                </a:solidFill>
+              </a:rPr>
+              <a:t>不同的</a:t>
+            </a:r>
+            <a:r>
+              <a:rPr lang="en-US" altLang="zh-CN" sz="2400" b="1" dirty="0">
+                <a:solidFill>
+                  <a:schemeClr val="accent1"/>
+                </a:solidFill>
+              </a:rPr>
+              <a:t>APP</a:t>
+            </a:r>
+            <a:endParaRPr lang="zh-CN" altLang="en-US" sz="2400" b="1" dirty="0">
+              <a:solidFill>
+                <a:schemeClr val="accent1"/>
+              </a:solidFill>
+            </a:endParaRPr>
+          </a:p>
+        </p:txBody>
+      </p:sp>
+      <p:pic>
+        <p:nvPicPr>
+          <p:cNvPr id="7" name="图片 6">
+            <a:extLst>
+              <a:ext uri="{FF2B5EF4-FFF2-40B4-BE49-F238E27FC236}">
+                <a16:creationId xmlns:a16="http://schemas.microsoft.com/office/drawing/2014/main" id="{170F460F-57D8-4941-8669-9C77539B83A7}"/>
+              </a:ext>
+            </a:extLst>
+          </p:cNvPr>
+          <p:cNvPicPr>
+            <a:picLocks noChangeAspect="1"/>
+          </p:cNvPicPr>
+          <p:nvPr/>
+        </p:nvPicPr>
+        <p:blipFill>
+          <a:blip r:embed="rId12"/>
+          <a:stretch>
+            <a:fillRect/>
+          </a:stretch>
+        </p:blipFill>
+        <p:spPr>
+          <a:xfrm>
+            <a:off x="71448" y="3459986"/>
+            <a:ext cx="1249684" cy="2630287"/>
+          </a:xfrm>
+          <a:prstGeom prst="rect">
+            <a:avLst/>
+          </a:prstGeom>
+        </p:spPr>
+      </p:pic>
+      <p:pic>
+        <p:nvPicPr>
+          <p:cNvPr id="8" name="Picture 4" descr="小米香港Xiaomi Hong Kong">
+            <a:extLst>
+              <a:ext uri="{FF2B5EF4-FFF2-40B4-BE49-F238E27FC236}">
+                <a16:creationId xmlns:a16="http://schemas.microsoft.com/office/drawing/2014/main" id="{D754CB4E-893B-41A4-BC60-38587B280813}"/>
+              </a:ext>
+            </a:extLst>
+          </p:cNvPr>
+          <p:cNvPicPr>
+            <a:picLocks noChangeAspect="1" noChangeArrowheads="1"/>
+          </p:cNvPicPr>
+          <p:nvPr/>
+        </p:nvPicPr>
+        <p:blipFill>
+          <a:blip r:embed="rId13">
+            <a:extLst>
+              <a:ext uri="{28A0092B-C50C-407E-A947-70E740481C1C}">
+                <a14:useLocalDpi xmlns:a14="http://schemas.microsoft.com/office/drawing/2010/main" val="0"/>
+              </a:ext>
+            </a:extLst>
+          </a:blip>
+          <a:srcRect/>
+          <a:stretch>
+            <a:fillRect/>
+          </a:stretch>
+        </p:blipFill>
+        <p:spPr bwMode="auto">
+          <a:xfrm>
+            <a:off x="6118583" y="3590386"/>
+            <a:ext cx="1076698" cy="1076698"/>
+          </a:xfrm>
+          <a:prstGeom prst="rect">
+            <a:avLst/>
+          </a:prstGeom>
+          <a:noFill/>
+          <a:extLst>
+            <a:ext uri="{909E8E84-426E-40DD-AFC4-6F175D3DCCD1}">
+              <a14:hiddenFill xmlns:a14="http://schemas.microsoft.com/office/drawing/2010/main">
+                <a:solidFill>
+                  <a:srgbClr val="FFFFFF"/>
+                </a:solidFill>
+              </a14:hiddenFill>
+            </a:ext>
+          </a:extLst>
+        </p:spPr>
+      </p:pic>
+      <p:pic>
+        <p:nvPicPr>
+          <p:cNvPr id="1030" name="Picture 6" descr="華為- 維基百科，自由的百科全書">
+            <a:extLst>
+              <a:ext uri="{FF2B5EF4-FFF2-40B4-BE49-F238E27FC236}">
+                <a16:creationId xmlns:a16="http://schemas.microsoft.com/office/drawing/2014/main" id="{754FB623-66F6-4BDD-9987-F264E791A2F5}"/>
+              </a:ext>
+            </a:extLst>
+          </p:cNvPr>
+          <p:cNvPicPr>
+            <a:picLocks noChangeAspect="1" noChangeArrowheads="1"/>
+          </p:cNvPicPr>
+          <p:nvPr/>
+        </p:nvPicPr>
+        <p:blipFill>
+          <a:blip r:embed="rId14" cstate="print">
+            <a:extLst>
+              <a:ext uri="{28A0092B-C50C-407E-A947-70E740481C1C}">
+                <a14:useLocalDpi xmlns:a14="http://schemas.microsoft.com/office/drawing/2010/main" val="0"/>
+              </a:ext>
+            </a:extLst>
+          </a:blip>
+          <a:srcRect/>
+          <a:stretch>
+            <a:fillRect/>
+          </a:stretch>
+        </p:blipFill>
+        <p:spPr bwMode="auto">
+          <a:xfrm>
+            <a:off x="4957288" y="3739962"/>
+            <a:ext cx="825734" cy="836843"/>
+          </a:xfrm>
+          <a:prstGeom prst="rect">
+            <a:avLst/>
+          </a:prstGeom>
+          <a:noFill/>
+          <a:extLst>
+            <a:ext uri="{909E8E84-426E-40DD-AFC4-6F175D3DCCD1}">
+              <a14:hiddenFill xmlns:a14="http://schemas.microsoft.com/office/drawing/2010/main">
+                <a:solidFill>
+                  <a:srgbClr val="FFFFFF"/>
+                </a:solidFill>
+              </a14:hiddenFill>
+            </a:ext>
+          </a:extLst>
+        </p:spPr>
+      </p:pic>
+      <p:pic>
+        <p:nvPicPr>
+          <p:cNvPr id="1036" name="Picture 12" descr="榮耀香港HONOR Hong Kong">
+            <a:extLst>
+              <a:ext uri="{FF2B5EF4-FFF2-40B4-BE49-F238E27FC236}">
+                <a16:creationId xmlns:a16="http://schemas.microsoft.com/office/drawing/2014/main" id="{83FD12CC-BF14-4D70-A3FE-E36DD1DB0A5C}"/>
+              </a:ext>
+            </a:extLst>
+          </p:cNvPr>
+          <p:cNvPicPr>
+            <a:picLocks noChangeAspect="1" noChangeArrowheads="1"/>
+          </p:cNvPicPr>
+          <p:nvPr/>
+        </p:nvPicPr>
+        <p:blipFill rotWithShape="1">
+          <a:blip r:embed="rId15">
+            <a:extLst>
+              <a:ext uri="{28A0092B-C50C-407E-A947-70E740481C1C}">
+                <a14:useLocalDpi xmlns:a14="http://schemas.microsoft.com/office/drawing/2010/main" val="0"/>
+              </a:ext>
+            </a:extLst>
+          </a:blip>
+          <a:srcRect t="23368" b="33226"/>
+          <a:stretch/>
+        </p:blipFill>
+        <p:spPr bwMode="auto">
+          <a:xfrm>
+            <a:off x="5808095" y="4905529"/>
+            <a:ext cx="1697674" cy="619599"/>
+          </a:xfrm>
+          <a:prstGeom prst="rect">
+            <a:avLst/>
+          </a:prstGeom>
+          <a:noFill/>
+          <a:extLst>
+            <a:ext uri="{909E8E84-426E-40DD-AFC4-6F175D3DCCD1}">
+              <a14:hiddenFill xmlns:a14="http://schemas.microsoft.com/office/drawing/2010/main">
+                <a:solidFill>
+                  <a:srgbClr val="FFFFFF"/>
+                </a:solidFill>
+              </a14:hiddenFill>
+            </a:ext>
+          </a:extLst>
+        </p:spPr>
+      </p:pic>
+      <p:pic>
+        <p:nvPicPr>
+          <p:cNvPr id="1038" name="Picture 14" descr="OPPO">
+            <a:extLst>
+              <a:ext uri="{FF2B5EF4-FFF2-40B4-BE49-F238E27FC236}">
+                <a16:creationId xmlns:a16="http://schemas.microsoft.com/office/drawing/2014/main" id="{673042AC-0F9D-417F-AC50-10E3A88FEC80}"/>
+              </a:ext>
+            </a:extLst>
+          </p:cNvPr>
+          <p:cNvPicPr>
+            <a:picLocks noChangeAspect="1" noChangeArrowheads="1"/>
+          </p:cNvPicPr>
+          <p:nvPr/>
+        </p:nvPicPr>
+        <p:blipFill>
+          <a:blip r:embed="rId16" cstate="print">
+            <a:extLst>
+              <a:ext uri="{28A0092B-C50C-407E-A947-70E740481C1C}">
+                <a14:useLocalDpi xmlns:a14="http://schemas.microsoft.com/office/drawing/2010/main" val="0"/>
+              </a:ext>
+            </a:extLst>
+          </a:blip>
+          <a:srcRect/>
+          <a:stretch>
+            <a:fillRect/>
+          </a:stretch>
+        </p:blipFill>
+        <p:spPr bwMode="auto">
+          <a:xfrm>
+            <a:off x="5002643" y="4923707"/>
+            <a:ext cx="735024" cy="735024"/>
+          </a:xfrm>
+          <a:prstGeom prst="rect">
+            <a:avLst/>
+          </a:prstGeom>
+          <a:noFill/>
+          <a:extLst>
+            <a:ext uri="{909E8E84-426E-40DD-AFC4-6F175D3DCCD1}">
+              <a14:hiddenFill xmlns:a14="http://schemas.microsoft.com/office/drawing/2010/main">
+                <a:solidFill>
+                  <a:srgbClr val="FFFFFF"/>
+                </a:solidFill>
+              </a14:hiddenFill>
+            </a:ext>
+          </a:extLst>
+        </p:spPr>
+      </p:pic>
+      <p:pic>
+        <p:nvPicPr>
+          <p:cNvPr id="1040" name="Picture 16" descr="全球最大智能手机制造商：三星电子Samsung Electronics Co., Ltd.(SMSN) | 美股之家">
+            <a:extLst>
+              <a:ext uri="{FF2B5EF4-FFF2-40B4-BE49-F238E27FC236}">
+                <a16:creationId xmlns:a16="http://schemas.microsoft.com/office/drawing/2014/main" id="{2126EB40-6CB7-44B0-8B08-429EC4F22397}"/>
+              </a:ext>
+            </a:extLst>
+          </p:cNvPr>
+          <p:cNvPicPr>
+            <a:picLocks noChangeAspect="1" noChangeArrowheads="1"/>
+          </p:cNvPicPr>
+          <p:nvPr/>
+        </p:nvPicPr>
+        <p:blipFill>
+          <a:blip r:embed="rId17">
+            <a:extLst>
+              <a:ext uri="{28A0092B-C50C-407E-A947-70E740481C1C}">
+                <a14:useLocalDpi xmlns:a14="http://schemas.microsoft.com/office/drawing/2010/main" val="0"/>
+              </a:ext>
+            </a:extLst>
+          </a:blip>
+          <a:srcRect/>
+          <a:stretch>
+            <a:fillRect/>
+          </a:stretch>
+        </p:blipFill>
+        <p:spPr bwMode="auto">
+          <a:xfrm>
+            <a:off x="4829998" y="6002492"/>
+            <a:ext cx="1080314" cy="809193"/>
+          </a:xfrm>
+          <a:prstGeom prst="rect">
+            <a:avLst/>
+          </a:prstGeom>
+          <a:noFill/>
+          <a:extLst>
+            <a:ext uri="{909E8E84-426E-40DD-AFC4-6F175D3DCCD1}">
+              <a14:hiddenFill xmlns:a14="http://schemas.microsoft.com/office/drawing/2010/main">
+                <a:solidFill>
+                  <a:srgbClr val="FFFFFF"/>
+                </a:solidFill>
+              </a14:hiddenFill>
+            </a:ext>
+          </a:extLst>
+        </p:spPr>
+      </p:pic>
+      <p:sp>
+        <p:nvSpPr>
+          <p:cNvPr id="2" name="文本框 1">
+            <a:extLst>
+              <a:ext uri="{FF2B5EF4-FFF2-40B4-BE49-F238E27FC236}">
+                <a16:creationId xmlns:a16="http://schemas.microsoft.com/office/drawing/2014/main" id="{8D43006A-12CB-049B-87A5-4CE939A50F08}"/>
+              </a:ext>
+            </a:extLst>
+          </p:cNvPr>
+          <p:cNvSpPr txBox="1"/>
+          <p:nvPr/>
+        </p:nvSpPr>
+        <p:spPr>
+          <a:xfrm>
+            <a:off x="1676139" y="1196401"/>
+            <a:ext cx="635110" cy="400110"/>
+          </a:xfrm>
+          <a:prstGeom prst="rect">
+            <a:avLst/>
+          </a:prstGeom>
+          <a:noFill/>
+        </p:spPr>
+        <p:txBody>
+          <a:bodyPr wrap="none" rtlCol="0">
+            <a:spAutoFit/>
+          </a:bodyPr>
+          <a:lstStyle/>
+          <a:p>
+            <a:r>
+              <a:rPr lang="en-US" altLang="zh-CN" sz="2000" b="1" dirty="0">
+                <a:solidFill>
+                  <a:schemeClr val="accent1"/>
+                </a:solidFill>
+                <a:latin typeface="微软雅黑" panose="020B0503020204020204" pitchFamily="34" charset="-122"/>
+                <a:ea typeface="微软雅黑" panose="020B0503020204020204" pitchFamily="34" charset="-122"/>
+              </a:rPr>
+              <a:t>IOS</a:t>
+            </a:r>
+            <a:endParaRPr lang="zh-CN" altLang="en-US" sz="2000" b="1" dirty="0">
+              <a:solidFill>
+                <a:schemeClr val="accent1"/>
+              </a:solidFill>
+              <a:latin typeface="微软雅黑" panose="020B0503020204020204" pitchFamily="34" charset="-122"/>
+              <a:ea typeface="微软雅黑" panose="020B0503020204020204" pitchFamily="34" charset="-122"/>
+            </a:endParaRPr>
+          </a:p>
+        </p:txBody>
+      </p:sp>
+      <p:sp>
+        <p:nvSpPr>
+          <p:cNvPr id="3" name="文本框 2">
+            <a:extLst>
+              <a:ext uri="{FF2B5EF4-FFF2-40B4-BE49-F238E27FC236}">
+                <a16:creationId xmlns:a16="http://schemas.microsoft.com/office/drawing/2014/main" id="{E52E309E-7060-DA5E-2229-A6926B345110}"/>
+              </a:ext>
+            </a:extLst>
+          </p:cNvPr>
+          <p:cNvSpPr txBox="1"/>
+          <p:nvPr/>
+        </p:nvSpPr>
+        <p:spPr>
+          <a:xfrm>
+            <a:off x="1502770" y="4980673"/>
+            <a:ext cx="1234953" cy="400110"/>
+          </a:xfrm>
+          <a:prstGeom prst="rect">
+            <a:avLst/>
+          </a:prstGeom>
+          <a:noFill/>
+        </p:spPr>
+        <p:txBody>
+          <a:bodyPr wrap="none" rtlCol="0">
+            <a:spAutoFit/>
+          </a:bodyPr>
+          <a:lstStyle/>
+          <a:p>
+            <a:r>
+              <a:rPr lang="en-US" altLang="zh-CN" sz="2000" b="1" dirty="0">
+                <a:solidFill>
+                  <a:schemeClr val="accent1"/>
+                </a:solidFill>
+                <a:latin typeface="微软雅黑" panose="020B0503020204020204" pitchFamily="34" charset="-122"/>
+                <a:ea typeface="微软雅黑" panose="020B0503020204020204" pitchFamily="34" charset="-122"/>
+              </a:rPr>
+              <a:t>Android</a:t>
+            </a:r>
+            <a:endParaRPr lang="zh-CN" altLang="en-US" sz="2000" b="1" dirty="0">
+              <a:solidFill>
+                <a:schemeClr val="accent1"/>
+              </a:solidFill>
+              <a:latin typeface="微软雅黑" panose="020B0503020204020204" pitchFamily="34" charset="-122"/>
+              <a:ea typeface="微软雅黑" panose="020B0503020204020204" pitchFamily="34" charset="-122"/>
+            </a:endParaRPr>
+          </a:p>
+        </p:txBody>
+      </p:sp>
+      <p:sp>
+        <p:nvSpPr>
+          <p:cNvPr id="5" name="箭头: 右 4">
+            <a:extLst>
+              <a:ext uri="{FF2B5EF4-FFF2-40B4-BE49-F238E27FC236}">
+                <a16:creationId xmlns:a16="http://schemas.microsoft.com/office/drawing/2014/main" id="{BF125DDD-3FC2-F365-EEB6-C70C9644DDE8}"/>
+              </a:ext>
+            </a:extLst>
+          </p:cNvPr>
+          <p:cNvSpPr/>
+          <p:nvPr/>
+        </p:nvSpPr>
+        <p:spPr>
+          <a:xfrm>
+            <a:off x="2945825" y="1185034"/>
+            <a:ext cx="978408" cy="484632"/>
+          </a:xfrm>
+          <a:prstGeom prst="rightArrow">
+            <a:avLst/>
+          </a:prstGeom>
+        </p:spPr>
+        <p:style>
+          <a:lnRef idx="2">
+            <a:schemeClr val="accent1">
+              <a:shade val="50000"/>
+            </a:schemeClr>
+          </a:lnRef>
+          <a:fillRef idx="1">
+            <a:schemeClr val="accent1"/>
+          </a:fillRef>
+          <a:effectRef idx="0">
+            <a:schemeClr val="accent1"/>
+          </a:effectRef>
+          <a:fontRef idx="minor">
+            <a:schemeClr val="lt1"/>
+          </a:fontRef>
+        </p:style>
+        <p:txBody>
+          <a:bodyPr rtlCol="0" anchor="ctr"/>
+          <a:lstStyle/>
+          <a:p>
+            <a:pPr algn="ctr"/>
+            <a:endParaRPr lang="zh-CN" altLang="en-US"/>
+          </a:p>
+        </p:txBody>
+      </p:sp>
+      <p:pic>
+        <p:nvPicPr>
+          <p:cNvPr id="9" name="Picture 4" descr="Apple Logo PNG Vectors Free Download">
+            <a:extLst>
+              <a:ext uri="{FF2B5EF4-FFF2-40B4-BE49-F238E27FC236}">
+                <a16:creationId xmlns:a16="http://schemas.microsoft.com/office/drawing/2014/main" id="{1B629EA8-D4A7-6FA6-F173-AFF4E20A9DAF}"/>
+              </a:ext>
+            </a:extLst>
+          </p:cNvPr>
+          <p:cNvPicPr>
+            <a:picLocks noChangeAspect="1" noChangeArrowheads="1"/>
+          </p:cNvPicPr>
+          <p:nvPr/>
+        </p:nvPicPr>
+        <p:blipFill>
+          <a:blip r:embed="rId18">
+            <a:extLst>
+              <a:ext uri="{28A0092B-C50C-407E-A947-70E740481C1C}">
+                <a14:useLocalDpi xmlns:a14="http://schemas.microsoft.com/office/drawing/2010/main" val="0"/>
+              </a:ext>
+            </a:extLst>
+          </a:blip>
+          <a:srcRect/>
+          <a:stretch>
+            <a:fillRect/>
+          </a:stretch>
+        </p:blipFill>
+        <p:spPr bwMode="auto">
+          <a:xfrm>
+            <a:off x="4689510" y="575266"/>
+            <a:ext cx="1761834" cy="1761834"/>
+          </a:xfrm>
+          <a:prstGeom prst="rect">
+            <a:avLst/>
+          </a:prstGeom>
+          <a:noFill/>
+          <a:extLst>
+            <a:ext uri="{909E8E84-426E-40DD-AFC4-6F175D3DCCD1}">
+              <a14:hiddenFill xmlns:a14="http://schemas.microsoft.com/office/drawing/2010/main">
+                <a:solidFill>
+                  <a:srgbClr val="FFFFFF"/>
+                </a:solidFill>
+              </a14:hiddenFill>
+            </a:ext>
+          </a:extLst>
+        </p:spPr>
+      </p:pic>
+      <p:sp>
+        <p:nvSpPr>
+          <p:cNvPr id="10" name="箭头: 右 9">
+            <a:extLst>
+              <a:ext uri="{FF2B5EF4-FFF2-40B4-BE49-F238E27FC236}">
+                <a16:creationId xmlns:a16="http://schemas.microsoft.com/office/drawing/2014/main" id="{7BD3096A-E3B9-6A88-A517-FBB70432FF57}"/>
+              </a:ext>
+            </a:extLst>
+          </p:cNvPr>
+          <p:cNvSpPr/>
+          <p:nvPr/>
+        </p:nvSpPr>
+        <p:spPr>
+          <a:xfrm>
+            <a:off x="7300442" y="1213867"/>
+            <a:ext cx="978408" cy="484632"/>
+          </a:xfrm>
+          <a:prstGeom prst="rightArrow">
+            <a:avLst/>
+          </a:prstGeom>
+        </p:spPr>
+        <p:style>
+          <a:lnRef idx="2">
+            <a:schemeClr val="accent1">
+              <a:shade val="50000"/>
+            </a:schemeClr>
+          </a:lnRef>
+          <a:fillRef idx="1">
+            <a:schemeClr val="accent1"/>
+          </a:fillRef>
+          <a:effectRef idx="0">
+            <a:schemeClr val="accent1"/>
+          </a:effectRef>
+          <a:fontRef idx="minor">
+            <a:schemeClr val="lt1"/>
+          </a:fontRef>
+        </p:style>
+        <p:txBody>
+          <a:bodyPr rtlCol="0" anchor="ctr"/>
+          <a:lstStyle/>
+          <a:p>
+            <a:pPr algn="ctr"/>
+            <a:endParaRPr lang="zh-CN" altLang="en-US"/>
+          </a:p>
+        </p:txBody>
+      </p:sp>
+      <p:sp>
+        <p:nvSpPr>
+          <p:cNvPr id="11" name="箭头: 右 10">
+            <a:extLst>
+              <a:ext uri="{FF2B5EF4-FFF2-40B4-BE49-F238E27FC236}">
+                <a16:creationId xmlns:a16="http://schemas.microsoft.com/office/drawing/2014/main" id="{6E00D593-8CB4-9FC6-5DB9-21086A7EF640}"/>
+              </a:ext>
+            </a:extLst>
+          </p:cNvPr>
+          <p:cNvSpPr/>
+          <p:nvPr/>
+        </p:nvSpPr>
+        <p:spPr>
+          <a:xfrm>
+            <a:off x="7576806" y="5048903"/>
+            <a:ext cx="978408" cy="484632"/>
+          </a:xfrm>
+          <a:prstGeom prst="rightArrow">
+            <a:avLst/>
+          </a:prstGeom>
+        </p:spPr>
+        <p:style>
+          <a:lnRef idx="2">
+            <a:schemeClr val="accent1">
+              <a:shade val="50000"/>
+            </a:schemeClr>
+          </a:lnRef>
+          <a:fillRef idx="1">
+            <a:schemeClr val="accent1"/>
+          </a:fillRef>
+          <a:effectRef idx="0">
+            <a:schemeClr val="accent1"/>
+          </a:effectRef>
+          <a:fontRef idx="minor">
+            <a:schemeClr val="lt1"/>
+          </a:fontRef>
+        </p:style>
+        <p:txBody>
+          <a:bodyPr rtlCol="0" anchor="ctr"/>
+          <a:lstStyle/>
+          <a:p>
+            <a:pPr algn="ctr"/>
+            <a:endParaRPr lang="zh-CN" altLang="en-US"/>
+          </a:p>
+        </p:txBody>
+      </p:sp>
+    </p:spTree>
+    <p:extLst>
+      <p:ext uri="{BB962C8B-B14F-4D97-AF65-F5344CB8AC3E}">
+        <p14:creationId xmlns:p14="http://schemas.microsoft.com/office/powerpoint/2010/main" val="3809398069"/>
+      </p:ext>
+    </p:extLst>
+  </p:cSld>
+  <p:clrMapOvr>
+    <a:masterClrMapping/>
+  </p:clrMapOvr>
+  <mc:AlternateContent xmlns:mc="http://schemas.openxmlformats.org/markup-compatibility/2006" xmlns:p159="http://schemas.microsoft.com/office/powerpoint/2015/09/main">
+    <mc:Choice Requires="p159">
+      <p:transition>
+        <p159:morph option="byObject"/>
+      </p:transition>
+    </mc:Choice>
+    <mc:Fallback xmlns="">
+      <p:transition>
+        <p:fade/>
+      </p:transition>
+    </mc:Fallback>
+  </mc:AlternateContent>
+</p:sld>
+</file>
+
+<file path=ppt/slides/slide2.xml><?xml version="1.0" encoding="utf-8"?>
+<p:sld xmlns:a="http://schemas.openxmlformats.org/drawingml/2006/main" xmlns:r="http://schemas.openxmlformats.org/officeDocument/2006/relationships" xmlns:p="http://schemas.openxmlformats.org/presentationml/2006/main">
+  <p:cSld>
+    <p:spTree>
+      <p:nvGrpSpPr>
+        <p:cNvPr id="1" name=""/>
+        <p:cNvGrpSpPr/>
+        <p:nvPr/>
+      </p:nvGrpSpPr>
+      <p:grpSpPr>
+        <a:xfrm>
+          <a:off x="0" y="0"/>
+          <a:ext cx="0" cy="0"/>
+          <a:chOff x="0" y="0"/>
+          <a:chExt cx="0" cy="0"/>
+        </a:xfrm>
+      </p:grpSpPr>
+      <p:sp>
+        <p:nvSpPr>
+          <p:cNvPr id="5" name="文本框 4">
+            <a:extLst>
+              <a:ext uri="{FF2B5EF4-FFF2-40B4-BE49-F238E27FC236}">
+                <a16:creationId xmlns:a16="http://schemas.microsoft.com/office/drawing/2014/main" id="{5442D70E-3182-482D-A28E-97249CC57184}"/>
+              </a:ext>
+            </a:extLst>
+          </p:cNvPr>
+          <p:cNvSpPr txBox="1"/>
+          <p:nvPr/>
+        </p:nvSpPr>
+        <p:spPr>
+          <a:xfrm>
+            <a:off x="1358019" y="612040"/>
+            <a:ext cx="2962671" cy="369332"/>
+          </a:xfrm>
+          <a:prstGeom prst="rect">
+            <a:avLst/>
+          </a:prstGeom>
+          <a:noFill/>
+        </p:spPr>
+        <p:txBody>
+          <a:bodyPr wrap="none" rtlCol="0">
+            <a:spAutoFit/>
+          </a:bodyPr>
+          <a:lstStyle/>
+          <a:p>
+            <a:r>
+              <a:rPr lang="en-US" altLang="zh-CN" b="1" dirty="0">
+                <a:solidFill>
+                  <a:schemeClr val="accent1"/>
+                </a:solidFill>
+              </a:rPr>
+              <a:t>CPU</a:t>
+            </a:r>
+            <a:r>
+              <a:rPr lang="zh-CN" altLang="en-US" b="1" dirty="0">
+                <a:solidFill>
+                  <a:schemeClr val="accent1"/>
+                </a:solidFill>
+              </a:rPr>
+              <a:t>调度器：调度规则 </a:t>
+            </a:r>
+            <a:r>
+              <a:rPr lang="en-US" altLang="zh-CN" b="1" dirty="0">
+                <a:solidFill>
+                  <a:schemeClr val="accent1"/>
+                </a:solidFill>
+              </a:rPr>
+              <a:t>XXX</a:t>
+            </a:r>
+            <a:endParaRPr lang="zh-CN" altLang="en-US" b="1" dirty="0">
+              <a:solidFill>
+                <a:schemeClr val="accent1"/>
+              </a:solidFill>
+            </a:endParaRPr>
+          </a:p>
+        </p:txBody>
+      </p:sp>
+      <p:sp>
+        <p:nvSpPr>
+          <p:cNvPr id="6" name="文本框 5">
+            <a:extLst>
+              <a:ext uri="{FF2B5EF4-FFF2-40B4-BE49-F238E27FC236}">
+                <a16:creationId xmlns:a16="http://schemas.microsoft.com/office/drawing/2014/main" id="{B81C1896-6F6E-478B-BA7C-03D01DA494EB}"/>
+              </a:ext>
+            </a:extLst>
+          </p:cNvPr>
+          <p:cNvSpPr txBox="1"/>
+          <p:nvPr/>
+        </p:nvSpPr>
+        <p:spPr>
+          <a:xfrm>
+            <a:off x="1358018" y="1153739"/>
+            <a:ext cx="2985113" cy="369332"/>
+          </a:xfrm>
+          <a:prstGeom prst="rect">
+            <a:avLst/>
+          </a:prstGeom>
+          <a:noFill/>
+        </p:spPr>
+        <p:txBody>
+          <a:bodyPr wrap="none" rtlCol="0">
+            <a:spAutoFit/>
+          </a:bodyPr>
+          <a:lstStyle/>
+          <a:p>
+            <a:r>
+              <a:rPr lang="zh-CN" altLang="en-US" b="1" dirty="0">
+                <a:solidFill>
+                  <a:schemeClr val="accent1"/>
+                </a:solidFill>
+              </a:rPr>
+              <a:t>频率调节器：调节规则 </a:t>
+            </a:r>
+            <a:r>
+              <a:rPr lang="en-US" altLang="zh-CN" b="1" dirty="0">
+                <a:solidFill>
+                  <a:schemeClr val="accent1"/>
+                </a:solidFill>
+              </a:rPr>
+              <a:t>XXX</a:t>
+            </a:r>
+            <a:endParaRPr lang="zh-CN" altLang="en-US" b="1" dirty="0">
+              <a:solidFill>
+                <a:schemeClr val="accent1"/>
+              </a:solidFill>
+            </a:endParaRPr>
+          </a:p>
+        </p:txBody>
+      </p:sp>
+      <p:sp>
+        <p:nvSpPr>
+          <p:cNvPr id="7" name="文本框 6">
+            <a:extLst>
+              <a:ext uri="{FF2B5EF4-FFF2-40B4-BE49-F238E27FC236}">
+                <a16:creationId xmlns:a16="http://schemas.microsoft.com/office/drawing/2014/main" id="{35B7AFCD-AE07-4FE7-ABF7-89FD26EABA21}"/>
+              </a:ext>
+            </a:extLst>
+          </p:cNvPr>
+          <p:cNvSpPr txBox="1"/>
+          <p:nvPr/>
+        </p:nvSpPr>
+        <p:spPr>
+          <a:xfrm>
+            <a:off x="1358018" y="1695438"/>
+            <a:ext cx="3647152" cy="369332"/>
+          </a:xfrm>
+          <a:prstGeom prst="rect">
+            <a:avLst/>
+          </a:prstGeom>
+          <a:noFill/>
+        </p:spPr>
+        <p:txBody>
+          <a:bodyPr wrap="none" rtlCol="0">
+            <a:spAutoFit/>
+          </a:bodyPr>
+          <a:lstStyle/>
+          <a:p>
+            <a:r>
+              <a:rPr lang="zh-CN" altLang="en-US" b="1" dirty="0">
+                <a:solidFill>
+                  <a:schemeClr val="accent1"/>
+                </a:solidFill>
+              </a:rPr>
+              <a:t>优先级：进程分组、前后台的划分</a:t>
+            </a:r>
+          </a:p>
+        </p:txBody>
+      </p:sp>
+      <p:sp>
+        <p:nvSpPr>
+          <p:cNvPr id="8" name="文本框 7">
+            <a:extLst>
+              <a:ext uri="{FF2B5EF4-FFF2-40B4-BE49-F238E27FC236}">
+                <a16:creationId xmlns:a16="http://schemas.microsoft.com/office/drawing/2014/main" id="{02DF8634-132D-47CD-A310-BC6313C79DD6}"/>
+              </a:ext>
+            </a:extLst>
+          </p:cNvPr>
+          <p:cNvSpPr txBox="1"/>
+          <p:nvPr/>
+        </p:nvSpPr>
+        <p:spPr>
+          <a:xfrm>
+            <a:off x="5005170" y="1063472"/>
+            <a:ext cx="4682692" cy="369332"/>
+          </a:xfrm>
+          <a:prstGeom prst="rect">
+            <a:avLst/>
+          </a:prstGeom>
+          <a:noFill/>
+        </p:spPr>
+        <p:txBody>
+          <a:bodyPr wrap="none" rtlCol="0">
+            <a:spAutoFit/>
+          </a:bodyPr>
+          <a:lstStyle/>
+          <a:p>
+            <a:r>
+              <a:rPr lang="zh-CN" altLang="en-US" b="1" dirty="0">
+                <a:solidFill>
+                  <a:schemeClr val="accent1"/>
+                </a:solidFill>
+              </a:rPr>
+              <a:t>持续采集 </a:t>
+            </a:r>
+            <a:r>
+              <a:rPr lang="en-US" altLang="zh-CN" b="1" dirty="0">
+                <a:solidFill>
+                  <a:schemeClr val="accent1"/>
+                </a:solidFill>
+              </a:rPr>
+              <a:t>CPU</a:t>
+            </a:r>
+            <a:r>
+              <a:rPr lang="zh-CN" altLang="en-US" b="1" dirty="0">
+                <a:solidFill>
+                  <a:schemeClr val="accent1"/>
+                </a:solidFill>
+              </a:rPr>
+              <a:t>、</a:t>
+            </a:r>
+            <a:r>
+              <a:rPr lang="en-US" altLang="zh-CN" b="1" dirty="0">
+                <a:solidFill>
+                  <a:schemeClr val="accent1"/>
+                </a:solidFill>
+              </a:rPr>
+              <a:t>I/O</a:t>
+            </a:r>
+            <a:r>
+              <a:rPr lang="zh-CN" altLang="en-US" b="1" dirty="0">
+                <a:solidFill>
+                  <a:schemeClr val="accent1"/>
+                </a:solidFill>
+              </a:rPr>
+              <a:t>、缓存命中、温度等指标</a:t>
+            </a:r>
+          </a:p>
+        </p:txBody>
+      </p:sp>
+      <p:sp>
+        <p:nvSpPr>
+          <p:cNvPr id="9" name="文本框 8">
+            <a:extLst>
+              <a:ext uri="{FF2B5EF4-FFF2-40B4-BE49-F238E27FC236}">
+                <a16:creationId xmlns:a16="http://schemas.microsoft.com/office/drawing/2014/main" id="{254C63F1-F6E0-477E-B3F7-46D236775E46}"/>
+              </a:ext>
+            </a:extLst>
+          </p:cNvPr>
+          <p:cNvSpPr txBox="1"/>
+          <p:nvPr/>
+        </p:nvSpPr>
+        <p:spPr>
+          <a:xfrm>
+            <a:off x="2578960" y="2810946"/>
+            <a:ext cx="1338828" cy="369332"/>
+          </a:xfrm>
+          <a:prstGeom prst="rect">
+            <a:avLst/>
+          </a:prstGeom>
+          <a:noFill/>
+        </p:spPr>
+        <p:txBody>
+          <a:bodyPr wrap="none" rtlCol="0">
+            <a:spAutoFit/>
+          </a:bodyPr>
+          <a:lstStyle/>
+          <a:p>
+            <a:r>
+              <a:rPr lang="zh-CN" altLang="en-US" b="1" dirty="0">
+                <a:solidFill>
+                  <a:schemeClr val="accent1"/>
+                </a:solidFill>
+              </a:rPr>
+              <a:t>激进或保守</a:t>
+            </a:r>
+          </a:p>
+        </p:txBody>
+      </p:sp>
+      <p:pic>
+        <p:nvPicPr>
+          <p:cNvPr id="10" name="Picture 2" descr="undefined">
+            <a:extLst>
+              <a:ext uri="{FF2B5EF4-FFF2-40B4-BE49-F238E27FC236}">
+                <a16:creationId xmlns:a16="http://schemas.microsoft.com/office/drawing/2014/main" id="{65B76BA2-C1C6-4A19-A462-BBEED8D7C7F2}"/>
+              </a:ext>
+            </a:extLst>
+          </p:cNvPr>
+          <p:cNvPicPr>
+            <a:picLocks noChangeAspect="1" noChangeArrowheads="1"/>
+          </p:cNvPicPr>
+          <p:nvPr/>
+        </p:nvPicPr>
+        <p:blipFill>
+          <a:blip r:embed="rId3">
+            <a:extLst>
+              <a:ext uri="{28A0092B-C50C-407E-A947-70E740481C1C}">
+                <a14:useLocalDpi xmlns:a14="http://schemas.microsoft.com/office/drawing/2010/main" val="0"/>
+              </a:ext>
+            </a:extLst>
+          </a:blip>
+          <a:srcRect/>
+          <a:stretch>
+            <a:fillRect/>
+          </a:stretch>
+        </p:blipFill>
+        <p:spPr bwMode="auto">
+          <a:xfrm>
+            <a:off x="162961" y="3921001"/>
+            <a:ext cx="6170827" cy="1282130"/>
+          </a:xfrm>
+          <a:prstGeom prst="rect">
+            <a:avLst/>
+          </a:prstGeom>
+          <a:noFill/>
+          <a:extLst>
+            <a:ext uri="{909E8E84-426E-40DD-AFC4-6F175D3DCCD1}">
+              <a14:hiddenFill xmlns:a14="http://schemas.microsoft.com/office/drawing/2010/main">
+                <a:solidFill>
+                  <a:srgbClr val="FFFFFF"/>
+                </a:solidFill>
+              </a14:hiddenFill>
+            </a:ext>
+          </a:extLst>
+        </p:spPr>
+      </p:pic>
+      <p:sp>
+        <p:nvSpPr>
+          <p:cNvPr id="11" name="文本框 10">
+            <a:extLst>
+              <a:ext uri="{FF2B5EF4-FFF2-40B4-BE49-F238E27FC236}">
+                <a16:creationId xmlns:a16="http://schemas.microsoft.com/office/drawing/2014/main" id="{9C23E62E-9AF2-4DEB-AD52-986510170BEA}"/>
+              </a:ext>
+            </a:extLst>
+          </p:cNvPr>
+          <p:cNvSpPr txBox="1"/>
+          <p:nvPr/>
+        </p:nvSpPr>
+        <p:spPr>
+          <a:xfrm>
+            <a:off x="950614" y="3457717"/>
+            <a:ext cx="1107996" cy="369332"/>
+          </a:xfrm>
+          <a:prstGeom prst="rect">
+            <a:avLst/>
+          </a:prstGeom>
+          <a:noFill/>
+        </p:spPr>
+        <p:txBody>
+          <a:bodyPr wrap="none" rtlCol="0">
+            <a:spAutoFit/>
+          </a:bodyPr>
+          <a:lstStyle/>
+          <a:p>
+            <a:r>
+              <a:rPr lang="zh-CN" altLang="en-US" b="1" dirty="0">
+                <a:solidFill>
+                  <a:srgbClr val="FF0000"/>
+                </a:solidFill>
+              </a:rPr>
+              <a:t>游戏模式</a:t>
+            </a:r>
+          </a:p>
+        </p:txBody>
+      </p:sp>
+      <p:sp>
+        <p:nvSpPr>
+          <p:cNvPr id="12" name="文本框 11">
+            <a:extLst>
+              <a:ext uri="{FF2B5EF4-FFF2-40B4-BE49-F238E27FC236}">
+                <a16:creationId xmlns:a16="http://schemas.microsoft.com/office/drawing/2014/main" id="{0DD329B4-3D8B-41CE-9403-196F308F3F4D}"/>
+              </a:ext>
+            </a:extLst>
+          </p:cNvPr>
+          <p:cNvSpPr txBox="1"/>
+          <p:nvPr/>
+        </p:nvSpPr>
+        <p:spPr>
+          <a:xfrm>
+            <a:off x="4356347" y="3515215"/>
+            <a:ext cx="646331" cy="369332"/>
+          </a:xfrm>
+          <a:prstGeom prst="rect">
+            <a:avLst/>
+          </a:prstGeom>
+          <a:noFill/>
+        </p:spPr>
+        <p:txBody>
+          <a:bodyPr wrap="none" rtlCol="0">
+            <a:spAutoFit/>
+          </a:bodyPr>
+          <a:lstStyle/>
+          <a:p>
+            <a:r>
+              <a:rPr lang="zh-CN" altLang="en-US" b="1" dirty="0">
+                <a:solidFill>
+                  <a:srgbClr val="FF0000"/>
+                </a:solidFill>
+              </a:rPr>
+              <a:t>待机</a:t>
+            </a:r>
+          </a:p>
+        </p:txBody>
+      </p:sp>
+      <p:sp>
+        <p:nvSpPr>
+          <p:cNvPr id="13" name="文本框 12">
+            <a:extLst>
+              <a:ext uri="{FF2B5EF4-FFF2-40B4-BE49-F238E27FC236}">
+                <a16:creationId xmlns:a16="http://schemas.microsoft.com/office/drawing/2014/main" id="{F2840D87-4002-4355-B393-B18FBD1C01C4}"/>
+              </a:ext>
+            </a:extLst>
+          </p:cNvPr>
+          <p:cNvSpPr txBox="1"/>
+          <p:nvPr/>
+        </p:nvSpPr>
+        <p:spPr>
+          <a:xfrm>
+            <a:off x="10285515" y="1063472"/>
+            <a:ext cx="1569660" cy="369332"/>
+          </a:xfrm>
+          <a:prstGeom prst="rect">
+            <a:avLst/>
+          </a:prstGeom>
+          <a:noFill/>
+        </p:spPr>
+        <p:txBody>
+          <a:bodyPr wrap="none" rtlCol="0">
+            <a:spAutoFit/>
+          </a:bodyPr>
+          <a:lstStyle/>
+          <a:p>
+            <a:r>
+              <a:rPr lang="zh-CN" altLang="en-US" b="1" dirty="0">
+                <a:solidFill>
+                  <a:schemeClr val="accent1"/>
+                </a:solidFill>
+              </a:rPr>
+              <a:t>根据指标调度</a:t>
+            </a:r>
+          </a:p>
+        </p:txBody>
+      </p:sp>
+      <p:sp>
+        <p:nvSpPr>
+          <p:cNvPr id="14" name="文本框 13">
+            <a:extLst>
+              <a:ext uri="{FF2B5EF4-FFF2-40B4-BE49-F238E27FC236}">
+                <a16:creationId xmlns:a16="http://schemas.microsoft.com/office/drawing/2014/main" id="{3A02C2E6-BE06-4178-846C-A15862F7DA97}"/>
+              </a:ext>
+            </a:extLst>
+          </p:cNvPr>
+          <p:cNvSpPr txBox="1"/>
+          <p:nvPr/>
+        </p:nvSpPr>
+        <p:spPr>
+          <a:xfrm>
+            <a:off x="2282567" y="5574522"/>
+            <a:ext cx="1707519" cy="369332"/>
+          </a:xfrm>
+          <a:prstGeom prst="rect">
+            <a:avLst/>
+          </a:prstGeom>
+          <a:noFill/>
+        </p:spPr>
+        <p:txBody>
+          <a:bodyPr wrap="none" rtlCol="0">
+            <a:spAutoFit/>
+          </a:bodyPr>
+          <a:lstStyle/>
+          <a:p>
+            <a:r>
+              <a:rPr lang="en-US" altLang="zh-CN" b="1" dirty="0" err="1">
+                <a:solidFill>
+                  <a:schemeClr val="accent1"/>
+                </a:solidFill>
+              </a:rPr>
+              <a:t>big.LITTLE</a:t>
+            </a:r>
+            <a:r>
+              <a:rPr lang="zh-CN" altLang="en-US" b="1" dirty="0">
+                <a:solidFill>
+                  <a:schemeClr val="accent1"/>
+                </a:solidFill>
+              </a:rPr>
+              <a:t>架构</a:t>
+            </a:r>
+          </a:p>
+        </p:txBody>
+      </p:sp>
+      <p:pic>
+        <p:nvPicPr>
+          <p:cNvPr id="16" name="图片 15">
+            <a:extLst>
+              <a:ext uri="{FF2B5EF4-FFF2-40B4-BE49-F238E27FC236}">
+                <a16:creationId xmlns:a16="http://schemas.microsoft.com/office/drawing/2014/main" id="{22A33E1A-AAC9-47DC-958A-7F527BB51930}"/>
+              </a:ext>
+            </a:extLst>
+          </p:cNvPr>
+          <p:cNvPicPr>
+            <a:picLocks noChangeAspect="1"/>
+          </p:cNvPicPr>
+          <p:nvPr/>
+        </p:nvPicPr>
+        <p:blipFill>
+          <a:blip r:embed="rId4"/>
+          <a:stretch>
+            <a:fillRect/>
+          </a:stretch>
+        </p:blipFill>
+        <p:spPr>
+          <a:xfrm>
+            <a:off x="7515965" y="2810946"/>
+            <a:ext cx="1038225" cy="866775"/>
+          </a:xfrm>
+          <a:prstGeom prst="rect">
+            <a:avLst/>
+          </a:prstGeom>
+        </p:spPr>
+      </p:pic>
+      <p:sp>
+        <p:nvSpPr>
+          <p:cNvPr id="17" name="文本框 16">
+            <a:extLst>
+              <a:ext uri="{FF2B5EF4-FFF2-40B4-BE49-F238E27FC236}">
+                <a16:creationId xmlns:a16="http://schemas.microsoft.com/office/drawing/2014/main" id="{A29CBAFD-A9B4-459E-BFE6-40F68F946537}"/>
+              </a:ext>
+            </a:extLst>
+          </p:cNvPr>
+          <p:cNvSpPr txBox="1"/>
+          <p:nvPr/>
+        </p:nvSpPr>
+        <p:spPr>
+          <a:xfrm>
+            <a:off x="8609399" y="2995612"/>
+            <a:ext cx="2007281" cy="369332"/>
+          </a:xfrm>
+          <a:prstGeom prst="rect">
+            <a:avLst/>
+          </a:prstGeom>
+          <a:noFill/>
+        </p:spPr>
+        <p:txBody>
+          <a:bodyPr wrap="none" rtlCol="0">
+            <a:spAutoFit/>
+          </a:bodyPr>
+          <a:lstStyle/>
+          <a:p>
+            <a:r>
+              <a:rPr lang="en-US" altLang="zh-CN" b="1" dirty="0">
+                <a:solidFill>
+                  <a:schemeClr val="accent1"/>
+                </a:solidFill>
+              </a:rPr>
+              <a:t>LLM</a:t>
+            </a:r>
+            <a:r>
+              <a:rPr lang="zh-CN" altLang="en-US" b="1" dirty="0">
+                <a:solidFill>
+                  <a:schemeClr val="accent1"/>
+                </a:solidFill>
+              </a:rPr>
+              <a:t>的强理解能力</a:t>
+            </a:r>
+          </a:p>
+        </p:txBody>
+      </p:sp>
+      <p:sp>
+        <p:nvSpPr>
+          <p:cNvPr id="18" name="文本框 17">
+            <a:extLst>
+              <a:ext uri="{FF2B5EF4-FFF2-40B4-BE49-F238E27FC236}">
+                <a16:creationId xmlns:a16="http://schemas.microsoft.com/office/drawing/2014/main" id="{8AECFC5A-CBAE-4AD8-9D8B-DD758D8DEEE1}"/>
+              </a:ext>
+            </a:extLst>
+          </p:cNvPr>
+          <p:cNvSpPr txBox="1"/>
+          <p:nvPr/>
+        </p:nvSpPr>
+        <p:spPr>
+          <a:xfrm>
+            <a:off x="8746582" y="3403172"/>
+            <a:ext cx="3095153" cy="1477328"/>
+          </a:xfrm>
+          <a:prstGeom prst="rect">
+            <a:avLst/>
+          </a:prstGeom>
+          <a:noFill/>
+        </p:spPr>
+        <p:txBody>
+          <a:bodyPr wrap="square" rtlCol="0">
+            <a:spAutoFit/>
+          </a:bodyPr>
+          <a:lstStyle/>
+          <a:p>
+            <a:pPr marL="342900" indent="-342900">
+              <a:buAutoNum type="arabicPeriod"/>
+            </a:pPr>
+            <a:r>
+              <a:rPr lang="zh-CN" altLang="en-US" b="1" dirty="0">
+                <a:solidFill>
+                  <a:schemeClr val="accent1"/>
+                </a:solidFill>
+              </a:rPr>
+              <a:t>当前设备的指标信息</a:t>
+            </a:r>
+            <a:endParaRPr lang="en-US" altLang="zh-CN" b="1" dirty="0">
+              <a:solidFill>
+                <a:schemeClr val="accent1"/>
+              </a:solidFill>
+            </a:endParaRPr>
+          </a:p>
+          <a:p>
+            <a:pPr marL="342900" indent="-342900">
+              <a:buAutoNum type="arabicPeriod"/>
+            </a:pPr>
+            <a:r>
+              <a:rPr lang="zh-CN" altLang="en-US" b="1" dirty="0">
+                <a:solidFill>
+                  <a:schemeClr val="accent1"/>
+                </a:solidFill>
+              </a:rPr>
+              <a:t>当前设备的硬件条件</a:t>
+            </a:r>
+            <a:endParaRPr lang="en-US" altLang="zh-CN" b="1" dirty="0">
+              <a:solidFill>
+                <a:schemeClr val="accent1"/>
+              </a:solidFill>
+            </a:endParaRPr>
+          </a:p>
+          <a:p>
+            <a:pPr marL="342900" indent="-342900">
+              <a:buAutoNum type="arabicPeriod"/>
+            </a:pPr>
+            <a:r>
+              <a:rPr lang="zh-CN" altLang="en-US" b="1" dirty="0">
+                <a:solidFill>
+                  <a:schemeClr val="accent1"/>
+                </a:solidFill>
+              </a:rPr>
+              <a:t>当前运行的</a:t>
+            </a:r>
+            <a:r>
+              <a:rPr lang="en-US" altLang="zh-CN" b="1" dirty="0">
+                <a:solidFill>
+                  <a:schemeClr val="accent1"/>
+                </a:solidFill>
+              </a:rPr>
+              <a:t>app</a:t>
+            </a:r>
+            <a:r>
+              <a:rPr lang="zh-CN" altLang="en-US" b="1" dirty="0">
+                <a:solidFill>
+                  <a:schemeClr val="accent1"/>
+                </a:solidFill>
+              </a:rPr>
+              <a:t>信息</a:t>
+            </a:r>
+            <a:endParaRPr lang="en-US" altLang="zh-CN" b="1" dirty="0">
+              <a:solidFill>
+                <a:schemeClr val="accent1"/>
+              </a:solidFill>
+            </a:endParaRPr>
+          </a:p>
+          <a:p>
+            <a:pPr marL="342900" indent="-342900">
+              <a:buAutoNum type="arabicPeriod"/>
+            </a:pPr>
+            <a:r>
+              <a:rPr lang="zh-CN" altLang="en-US" b="1" dirty="0">
+                <a:solidFill>
+                  <a:schemeClr val="accent1"/>
+                </a:solidFill>
+              </a:rPr>
+              <a:t>设备运行的日志信息</a:t>
+            </a:r>
+            <a:endParaRPr lang="en-US" altLang="zh-CN" b="1" dirty="0">
+              <a:solidFill>
+                <a:schemeClr val="accent1"/>
+              </a:solidFill>
+            </a:endParaRPr>
+          </a:p>
+          <a:p>
+            <a:pPr marL="342900" indent="-342900">
+              <a:buAutoNum type="arabicPeriod"/>
+            </a:pPr>
+            <a:r>
+              <a:rPr lang="zh-CN" altLang="en-US" b="1" dirty="0">
+                <a:solidFill>
+                  <a:schemeClr val="accent1"/>
+                </a:solidFill>
+              </a:rPr>
+              <a:t>。。。</a:t>
+            </a:r>
+          </a:p>
+        </p:txBody>
+      </p:sp>
+      <p:sp>
+        <p:nvSpPr>
+          <p:cNvPr id="19" name="箭头: 右 18">
+            <a:extLst>
+              <a:ext uri="{FF2B5EF4-FFF2-40B4-BE49-F238E27FC236}">
+                <a16:creationId xmlns:a16="http://schemas.microsoft.com/office/drawing/2014/main" id="{FEA7FF98-52AE-4184-8B19-D4B0E6B701BF}"/>
+              </a:ext>
+            </a:extLst>
+          </p:cNvPr>
+          <p:cNvSpPr/>
+          <p:nvPr/>
+        </p:nvSpPr>
+        <p:spPr>
+          <a:xfrm>
+            <a:off x="4546738" y="1113387"/>
+            <a:ext cx="455940" cy="269502"/>
+          </a:xfrm>
+          <a:prstGeom prst="rightArrow">
+            <a:avLst/>
+          </a:prstGeom>
+        </p:spPr>
+        <p:style>
+          <a:lnRef idx="2">
+            <a:schemeClr val="accent1">
+              <a:shade val="50000"/>
+            </a:schemeClr>
+          </a:lnRef>
+          <a:fillRef idx="1">
+            <a:schemeClr val="accent1"/>
+          </a:fillRef>
+          <a:effectRef idx="0">
+            <a:schemeClr val="accent1"/>
+          </a:effectRef>
+          <a:fontRef idx="minor">
+            <a:schemeClr val="lt1"/>
+          </a:fontRef>
+        </p:style>
+        <p:txBody>
+          <a:bodyPr rtlCol="0" anchor="ctr"/>
+          <a:lstStyle/>
+          <a:p>
+            <a:pPr algn="ctr"/>
+            <a:endParaRPr lang="zh-CN" altLang="en-US"/>
+          </a:p>
+        </p:txBody>
+      </p:sp>
+      <p:sp>
+        <p:nvSpPr>
+          <p:cNvPr id="21" name="箭头: 右 20">
+            <a:extLst>
+              <a:ext uri="{FF2B5EF4-FFF2-40B4-BE49-F238E27FC236}">
+                <a16:creationId xmlns:a16="http://schemas.microsoft.com/office/drawing/2014/main" id="{D2718EC5-E041-4C2D-8411-226A4E2A8763}"/>
+              </a:ext>
+            </a:extLst>
+          </p:cNvPr>
+          <p:cNvSpPr/>
+          <p:nvPr/>
+        </p:nvSpPr>
+        <p:spPr>
+          <a:xfrm>
+            <a:off x="9834330" y="1113387"/>
+            <a:ext cx="455940" cy="269502"/>
+          </a:xfrm>
+          <a:prstGeom prst="rightArrow">
+            <a:avLst/>
+          </a:prstGeom>
+        </p:spPr>
+        <p:style>
+          <a:lnRef idx="2">
+            <a:schemeClr val="accent1">
+              <a:shade val="50000"/>
+            </a:schemeClr>
+          </a:lnRef>
+          <a:fillRef idx="1">
+            <a:schemeClr val="accent1"/>
+          </a:fillRef>
+          <a:effectRef idx="0">
+            <a:schemeClr val="accent1"/>
+          </a:effectRef>
+          <a:fontRef idx="minor">
+            <a:schemeClr val="lt1"/>
+          </a:fontRef>
+        </p:style>
+        <p:txBody>
+          <a:bodyPr rtlCol="0" anchor="ctr"/>
+          <a:lstStyle/>
+          <a:p>
+            <a:pPr algn="ctr"/>
+            <a:endParaRPr lang="zh-CN" altLang="en-US"/>
+          </a:p>
+        </p:txBody>
+      </p:sp>
+      <p:cxnSp>
+        <p:nvCxnSpPr>
+          <p:cNvPr id="23" name="直接箭头连接符 22">
+            <a:extLst>
+              <a:ext uri="{FF2B5EF4-FFF2-40B4-BE49-F238E27FC236}">
+                <a16:creationId xmlns:a16="http://schemas.microsoft.com/office/drawing/2014/main" id="{B9A932C6-EC55-4070-816B-9607BE07EB72}"/>
+              </a:ext>
+            </a:extLst>
+          </p:cNvPr>
+          <p:cNvCxnSpPr>
+            <a:cxnSpLocks/>
+            <a:endCxn id="11" idx="3"/>
+          </p:cNvCxnSpPr>
+          <p:nvPr/>
+        </p:nvCxnSpPr>
+        <p:spPr>
+          <a:xfrm flipH="1">
+            <a:off x="2058610" y="3151784"/>
+            <a:ext cx="621216" cy="490599"/>
+          </a:xfrm>
+          <a:prstGeom prst="straightConnector1">
+            <a:avLst/>
+          </a:prstGeom>
+          <a:ln>
+            <a:tailEnd type="triangle"/>
+          </a:ln>
+        </p:spPr>
+        <p:style>
+          <a:lnRef idx="1">
+            <a:schemeClr val="accent1"/>
+          </a:lnRef>
+          <a:fillRef idx="0">
+            <a:schemeClr val="accent1"/>
+          </a:fillRef>
+          <a:effectRef idx="0">
+            <a:schemeClr val="accent1"/>
+          </a:effectRef>
+          <a:fontRef idx="minor">
+            <a:schemeClr val="tx1"/>
+          </a:fontRef>
+        </p:style>
+      </p:cxnSp>
+      <p:cxnSp>
+        <p:nvCxnSpPr>
+          <p:cNvPr id="27" name="直接箭头连接符 26">
+            <a:extLst>
+              <a:ext uri="{FF2B5EF4-FFF2-40B4-BE49-F238E27FC236}">
+                <a16:creationId xmlns:a16="http://schemas.microsoft.com/office/drawing/2014/main" id="{9AD1EB96-5852-4E51-8F19-68A3E8410926}"/>
+              </a:ext>
+            </a:extLst>
+          </p:cNvPr>
+          <p:cNvCxnSpPr>
+            <a:cxnSpLocks/>
+          </p:cNvCxnSpPr>
+          <p:nvPr/>
+        </p:nvCxnSpPr>
+        <p:spPr>
+          <a:xfrm>
+            <a:off x="3748135" y="3180278"/>
+            <a:ext cx="608212" cy="462105"/>
+          </a:xfrm>
+          <a:prstGeom prst="straightConnector1">
+            <a:avLst/>
+          </a:prstGeom>
+          <a:ln>
+            <a:tailEnd type="triangle"/>
+          </a:ln>
+        </p:spPr>
+        <p:style>
+          <a:lnRef idx="1">
+            <a:schemeClr val="accent1"/>
+          </a:lnRef>
+          <a:fillRef idx="0">
+            <a:schemeClr val="accent1"/>
+          </a:fillRef>
+          <a:effectRef idx="0">
+            <a:schemeClr val="accent1"/>
+          </a:effectRef>
+          <a:fontRef idx="minor">
+            <a:schemeClr val="tx1"/>
+          </a:fontRef>
+        </p:style>
+      </p:cxnSp>
+      <p:sp>
+        <p:nvSpPr>
+          <p:cNvPr id="35" name="箭头: 右 34">
+            <a:extLst>
+              <a:ext uri="{FF2B5EF4-FFF2-40B4-BE49-F238E27FC236}">
+                <a16:creationId xmlns:a16="http://schemas.microsoft.com/office/drawing/2014/main" id="{C7D15F5D-A433-4DC4-A437-FBFC89343386}"/>
+              </a:ext>
+            </a:extLst>
+          </p:cNvPr>
+          <p:cNvSpPr/>
+          <p:nvPr/>
+        </p:nvSpPr>
+        <p:spPr>
+          <a:xfrm rot="5400000">
+            <a:off x="9471609" y="5068380"/>
+            <a:ext cx="455940" cy="269502"/>
+          </a:xfrm>
+          <a:prstGeom prst="rightArrow">
+            <a:avLst/>
+          </a:prstGeom>
+        </p:spPr>
+        <p:style>
+          <a:lnRef idx="2">
+            <a:schemeClr val="accent1">
+              <a:shade val="50000"/>
+            </a:schemeClr>
+          </a:lnRef>
+          <a:fillRef idx="1">
+            <a:schemeClr val="accent1"/>
+          </a:fillRef>
+          <a:effectRef idx="0">
+            <a:schemeClr val="accent1"/>
+          </a:effectRef>
+          <a:fontRef idx="minor">
+            <a:schemeClr val="lt1"/>
+          </a:fontRef>
+        </p:style>
+        <p:txBody>
+          <a:bodyPr rtlCol="0" anchor="ctr"/>
+          <a:lstStyle/>
+          <a:p>
+            <a:pPr algn="ctr"/>
+            <a:endParaRPr lang="zh-CN" altLang="en-US"/>
+          </a:p>
+        </p:txBody>
+      </p:sp>
+      <p:sp>
+        <p:nvSpPr>
+          <p:cNvPr id="36" name="文本框 35">
+            <a:extLst>
+              <a:ext uri="{FF2B5EF4-FFF2-40B4-BE49-F238E27FC236}">
+                <a16:creationId xmlns:a16="http://schemas.microsoft.com/office/drawing/2014/main" id="{F5CA93FD-ED47-497F-8BA7-671CFFA936EB}"/>
+              </a:ext>
+            </a:extLst>
+          </p:cNvPr>
+          <p:cNvSpPr txBox="1"/>
+          <p:nvPr/>
+        </p:nvSpPr>
+        <p:spPr>
+          <a:xfrm>
+            <a:off x="8934083" y="5525762"/>
+            <a:ext cx="1800493" cy="369332"/>
+          </a:xfrm>
+          <a:prstGeom prst="rect">
+            <a:avLst/>
+          </a:prstGeom>
+          <a:noFill/>
+        </p:spPr>
+        <p:txBody>
+          <a:bodyPr wrap="none" rtlCol="0">
+            <a:spAutoFit/>
+          </a:bodyPr>
+          <a:lstStyle/>
+          <a:p>
+            <a:r>
+              <a:rPr lang="zh-CN" altLang="en-US" b="1" dirty="0">
+                <a:solidFill>
+                  <a:schemeClr val="accent1"/>
+                </a:solidFill>
+              </a:rPr>
+              <a:t>更为合适的调度</a:t>
+            </a:r>
+          </a:p>
+        </p:txBody>
+      </p:sp>
+      <p:pic>
+        <p:nvPicPr>
+          <p:cNvPr id="2" name="图片 1">
+            <a:extLst>
+              <a:ext uri="{FF2B5EF4-FFF2-40B4-BE49-F238E27FC236}">
+                <a16:creationId xmlns:a16="http://schemas.microsoft.com/office/drawing/2014/main" id="{A34AFFB7-174B-882C-B484-C3AB2B4DCEAF}"/>
+              </a:ext>
+            </a:extLst>
+          </p:cNvPr>
+          <p:cNvPicPr>
+            <a:picLocks noChangeAspect="1"/>
+          </p:cNvPicPr>
+          <p:nvPr/>
+        </p:nvPicPr>
+        <p:blipFill>
+          <a:blip r:embed="rId5"/>
+          <a:stretch>
+            <a:fillRect/>
+          </a:stretch>
+        </p:blipFill>
+        <p:spPr>
+          <a:xfrm>
+            <a:off x="155030" y="306712"/>
+            <a:ext cx="1249684" cy="2630287"/>
+          </a:xfrm>
+          <a:prstGeom prst="rect">
+            <a:avLst/>
+          </a:prstGeom>
+        </p:spPr>
+      </p:pic>
+    </p:spTree>
+    <p:extLst>
+      <p:ext uri="{BB962C8B-B14F-4D97-AF65-F5344CB8AC3E}">
+        <p14:creationId xmlns:p14="http://schemas.microsoft.com/office/powerpoint/2010/main" val="188358341"/>
+      </p:ext>
+    </p:extLst>
+  </p:cSld>
+  <p:clrMapOvr>
+    <a:masterClrMapping/>
+  </p:clrMapOvr>
+  <mc:AlternateContent xmlns:mc="http://schemas.openxmlformats.org/markup-compatibility/2006" xmlns:p159="http://schemas.microsoft.com/office/powerpoint/2015/09/main">
+    <mc:Choice Requires="p159">
+      <p:transition>
+        <p159:morph option="byObject"/>
+      </p:transition>
+    </mc:Choice>
+    <mc:Fallback xmlns="">
+      <p:transition>
+        <p:fade/>
+      </p:transition>
+    </mc:Fallback>
+  </mc:AlternateContent>
+</p:sld>
+</file>
+
+<file path=ppt/slides/slide3.xml><?xml version="1.0" encoding="utf-8"?>
+<p:sld xmlns:a="http://schemas.openxmlformats.org/drawingml/2006/main" xmlns:r="http://schemas.openxmlformats.org/officeDocument/2006/relationships" xmlns:p="http://schemas.openxmlformats.org/presentationml/2006/main">
+  <p:cSld>
+    <p:spTree>
+      <p:nvGrpSpPr>
+        <p:cNvPr id="1" name=""/>
+        <p:cNvGrpSpPr/>
+        <p:nvPr/>
+      </p:nvGrpSpPr>
+      <p:grpSpPr>
+        <a:xfrm>
+          <a:off x="0" y="0"/>
+          <a:ext cx="0" cy="0"/>
+          <a:chOff x="0" y="0"/>
+          <a:chExt cx="0" cy="0"/>
+        </a:xfrm>
+      </p:grpSpPr>
       <p:sp>
         <p:nvSpPr>
           <p:cNvPr id="2" name="文本框 1"/>
@@ -8104,7 +10271,7 @@
         <p:spPr>
           <a:xfrm>
             <a:off x="-80645" y="-18153"/>
-            <a:ext cx="12056076" cy="7004610"/>
+            <a:ext cx="12272644" cy="7004610"/>
           </a:xfrm>
           <a:prstGeom prst="rect">
             <a:avLst/>
@@ -9049,7 +11216,43 @@
                 <a:cs typeface="Times New Roman" panose="02020603050405020304" pitchFamily="18" charset="0"/>
                 <a:sym typeface="+mn-ea"/>
               </a:rPr>
-              <a:t>可以对多维信息理解后，调用最为合适的调度工具对移动设备进行调度配置。</a:t>
+              <a:t>可以对多维信息理解后，调用最为合适的</a:t>
+            </a:r>
+            <a:r>
+              <a:rPr lang="zh-CN" altLang="en-US" sz="1600" noProof="0">
+                <a:ln>
+                  <a:noFill/>
+                </a:ln>
+                <a:solidFill>
+                  <a:prstClr val="black"/>
+                </a:solidFill>
+                <a:effectLst/>
+                <a:uLnTx/>
+                <a:uFillTx/>
+                <a:latin typeface="FZXiaoBiaoSong-B05S" panose="02010601030101010101" pitchFamily="2" charset="-122"/>
+                <a:ea typeface="FZXiaoBiaoSong-B05S" panose="02010601030101010101" pitchFamily="2" charset="-122"/>
+                <a:cs typeface="Times New Roman" panose="02020603050405020304" pitchFamily="18" charset="0"/>
+                <a:sym typeface="+mn-ea"/>
+              </a:rPr>
+              <a:t>调度工具（调度模型、调度参数）对</a:t>
+            </a:r>
+            <a:r>
+              <a:rPr lang="zh-CN" altLang="en-US" sz="1600" noProof="0" dirty="0">
+                <a:ln>
+                  <a:noFill/>
+                </a:ln>
+                <a:solidFill>
+                  <a:prstClr val="black"/>
+                </a:solidFill>
+                <a:effectLst/>
+                <a:uLnTx/>
+                <a:uFillTx/>
+                <a:latin typeface="FZXiaoBiaoSong-B05S" panose="02010601030101010101" pitchFamily="2" charset="-122"/>
+                <a:ea typeface="FZXiaoBiaoSong-B05S" panose="02010601030101010101" pitchFamily="2" charset="-122"/>
+                <a:cs typeface="Times New Roman" panose="02020603050405020304" pitchFamily="18" charset="0"/>
+                <a:sym typeface="+mn-ea"/>
+              </a:rPr>
+              <a:t>移动设备进行调度配置。</a:t>
             </a:r>
             <a:endParaRPr kumimoji="0" lang="zh-CN" altLang="en-US" sz="1600" b="0" i="0" u="none" strike="noStrike" kern="1200" cap="none" spc="0" normalizeH="0" baseline="0" noProof="0" dirty="0">
               <a:ln>
@@ -9189,10 +11392,22 @@
                 <a:cs typeface="Times New Roman" panose="02020603050405020304" pitchFamily="18" charset="0"/>
                 <a:sym typeface="+mn-ea"/>
               </a:rPr>
-              <a:t>C2-&gt;O2: </a:t>
-            </a:r>
-            <a:r>
-              <a:rPr lang="zh-CN" altLang="en-US" sz="1600" noProof="0" dirty="0">
+              <a:t>C2-&gt;O2:</a:t>
+            </a:r>
+            <a:r>
+              <a:rPr lang="zh-CN" altLang="en-US" sz="1600" dirty="0">
+                <a:solidFill>
+                  <a:prstClr val="black"/>
+                </a:solidFill>
+                <a:latin typeface="FZXiaoBiaoSong-B05S" panose="02010601030101010101" pitchFamily="2" charset="-122"/>
+                <a:ea typeface="FZXiaoBiaoSong-B05S" panose="02010601030101010101" pitchFamily="2" charset="-122"/>
+                <a:cs typeface="Times New Roman" panose="02020603050405020304" pitchFamily="18" charset="0"/>
+                <a:sym typeface="+mn-ea"/>
+              </a:rPr>
+              <a:t> </a:t>
+            </a:r>
+            <a:r>
+              <a:rPr lang="en-US" altLang="zh-CN" sz="1600" noProof="0" dirty="0">
                 <a:ln>
                   <a:noFill/>
                 </a:ln>
@@ -9207,10 +11422,10 @@
                 <a:cs typeface="Times New Roman" panose="02020603050405020304" pitchFamily="18" charset="0"/>
                 <a:sym typeface="+mn-ea"/>
               </a:rPr>
-              <a:t>针对变化的移动设备场景，</a:t>
-            </a:r>
-            <a:r>
-              <a:rPr lang="en-US" altLang="zh-CN" sz="1600" noProof="0" dirty="0">
+              <a:t>LLM</a:t>
+            </a:r>
+            <a:r>
+              <a:rPr lang="zh-CN" altLang="en-US" sz="1600" noProof="0" dirty="0">
                 <a:ln>
                   <a:noFill/>
                 </a:ln>
@@ -9225,10 +11440,10 @@
                 <a:cs typeface="Times New Roman" panose="02020603050405020304" pitchFamily="18" charset="0"/>
                 <a:sym typeface="+mn-ea"/>
               </a:rPr>
-              <a:t>LLM</a:t>
-            </a:r>
-            <a:r>
-              <a:rPr lang="zh-CN" altLang="en-US" sz="1600" noProof="0" dirty="0">
+              <a:t>实时调度配置的能力，如何设计一个</a:t>
+            </a:r>
+            <a:r>
+              <a:rPr lang="en-US" altLang="zh-CN" sz="1600" noProof="0" dirty="0">
                 <a:ln>
                   <a:noFill/>
                 </a:ln>
@@ -9243,10 +11458,10 @@
                 <a:cs typeface="Times New Roman" panose="02020603050405020304" pitchFamily="18" charset="0"/>
                 <a:sym typeface="+mn-ea"/>
               </a:rPr>
-              <a:t>不具备实时获取信息然后进行调度配置的能力，如何利用</a:t>
-            </a:r>
-            <a:r>
-              <a:rPr lang="en-US" altLang="zh-CN" sz="1600" noProof="0" dirty="0">
+              <a:t>LLM</a:t>
+            </a:r>
+            <a:r>
+              <a:rPr lang="zh-CN" altLang="en-US" sz="1600" noProof="0" dirty="0">
                 <a:ln>
                   <a:noFill/>
                 </a:ln>
@@ -9261,25 +11476,7 @@
                 <a:cs typeface="Times New Roman" panose="02020603050405020304" pitchFamily="18" charset="0"/>
                 <a:sym typeface="+mn-ea"/>
               </a:rPr>
-              <a:t>LLM</a:t>
-            </a:r>
-            <a:r>
-              <a:rPr lang="zh-CN" altLang="en-US" sz="1600" noProof="0" dirty="0">
-                <a:ln>
-                  <a:noFill/>
-                </a:ln>
-                <a:solidFill>
-                  <a:prstClr val="black"/>
-                </a:solidFill>
-                <a:effectLst/>
-                <a:uLnTx/>
-                <a:uFillTx/>
-                <a:latin typeface="FZXiaoBiaoSong-B05S" panose="02010601030101010101" pitchFamily="2" charset="-122"/>
-                <a:ea typeface="FZXiaoBiaoSong-B05S" panose="02010601030101010101" pitchFamily="2" charset="-122"/>
-                <a:cs typeface="Times New Roman" panose="02020603050405020304" pitchFamily="18" charset="0"/>
-                <a:sym typeface="+mn-ea"/>
-              </a:rPr>
-              <a:t>调用适配的工具去调度？</a:t>
+              <a:t>调用工具的一个范式，同时满足移动设备调度的实时性和准确性的需求。</a:t>
             </a:r>
             <a:endParaRPr kumimoji="0" lang="zh-CN" altLang="en-US" sz="1600" b="0" i="0" u="none" strike="noStrike" kern="1200" cap="none" spc="0" normalizeH="0" baseline="0" noProof="0" dirty="0">
               <a:ln>
@@ -9331,24 +11528,6 @@
               </a:rPr>
               <a:t>Model</a:t>
             </a:r>
-            <a:r>
-              <a:rPr lang="zh-CN" altLang="en-US" sz="1600" b="1" noProof="0" dirty="0">
-                <a:ln>
-                  <a:noFill/>
-                </a:ln>
-                <a:solidFill>
-                  <a:srgbClr val="7030A0"/>
-                </a:solidFill>
-                <a:effectLst/>
-                <a:uLnTx/>
-                <a:uFillTx/>
-                <a:latin typeface="Times New Roman" panose="02020603050405020304" pitchFamily="18" charset="0"/>
-                <a:ea typeface="FZXiaoBiaoSong-B05S" panose="02010601030101010101" pitchFamily="2" charset="-122"/>
-                <a:cs typeface="Times New Roman" panose="02020603050405020304" pitchFamily="18" charset="0"/>
-                <a:sym typeface="+mn-ea"/>
-              </a:rPr>
-              <a:t>（初步）</a:t>
-            </a:r>
             <a:endParaRPr kumimoji="0" lang="zh-CN" altLang="en-US" sz="1600" b="1" i="0" u="none" strike="noStrike" kern="1200" cap="none" spc="0" normalizeH="0" baseline="0" noProof="0" dirty="0">
               <a:ln>
                 <a:noFill/>
@@ -9587,14 +11766,14 @@
             </p:custDataLst>
             <p:extLst>
               <p:ext uri="{D42A27DB-BD31-4B8C-83A1-F6EECF244321}">
-                <p14:modId xmlns:p14="http://schemas.microsoft.com/office/powerpoint/2010/main" val="3841427590"/>
+                <p14:modId xmlns:p14="http://schemas.microsoft.com/office/powerpoint/2010/main" val="71730252"/>
               </p:ext>
             </p:extLst>
           </p:nvPr>
         </p:nvGraphicFramePr>
         <p:xfrm>
-          <a:off x="7939976" y="0"/>
-          <a:ext cx="4252024" cy="990958"/>
+          <a:off x="7845692" y="0"/>
+          <a:ext cx="4346307" cy="990958"/>
         </p:xfrm>
         <a:graphic>
           <a:graphicData uri="http://schemas.openxmlformats.org/drawingml/2006/table">
@@ -9603,21 +11782,21 @@
                 <a:tableStyleId>{5C22544A-7EE6-4342-B048-85BDC9FD1C3A}</a:tableStyleId>
               </a:tblPr>
               <a:tblGrid>
-                <a:gridCol w="1281329">
+                <a:gridCol w="1249447">
                   <a:extLst>
                     <a:ext uri="{9D8B030D-6E8A-4147-A177-3AD203B41FA5}">
                       <a16:colId xmlns:a16="http://schemas.microsoft.com/office/drawing/2014/main" val="20000"/>
                     </a:ext>
                   </a:extLst>
                 </a:gridCol>
-                <a:gridCol w="1452048">
+                <a:gridCol w="1828800">
                   <a:extLst>
                     <a:ext uri="{9D8B030D-6E8A-4147-A177-3AD203B41FA5}">
                       <a16:colId xmlns:a16="http://schemas.microsoft.com/office/drawing/2014/main" val="20001"/>
                     </a:ext>
                   </a:extLst>
                 </a:gridCol>
-                <a:gridCol w="1518647">
+                <a:gridCol w="1268060">
                   <a:extLst>
                     <a:ext uri="{9D8B030D-6E8A-4147-A177-3AD203B41FA5}">
                       <a16:colId xmlns:a16="http://schemas.microsoft.com/office/drawing/2014/main" val="20002"/>
@@ -9638,7 +11817,7 @@
                           <a:ea typeface="微软雅黑" panose="020B0503020204020204" pitchFamily="34" charset="-122"/>
                           <a:cs typeface="Times New Roman" panose="02020603050405020304" pitchFamily="18" charset="0"/>
                         </a:rPr>
-                        <a:t>边缘张量程序优化</a:t>
+                        <a:t>移动端资源调度</a:t>
                       </a:r>
                     </a:p>
                   </a:txBody>
@@ -9657,8 +11836,14 @@
                           <a:cs typeface="Times New Roman" panose="02020603050405020304" pitchFamily="18" charset="0"/>
                           <a:sym typeface="+mn-ea"/>
                         </a:rPr>
-                        <a:t>需要重探索</a:t>
+                        <a:t>仅基于系统环境信息调度</a:t>
                       </a:r>
+                      <a:endParaRPr lang="en-US" altLang="zh-CN" sz="1100" b="1" dirty="0">
+                        <a:latin typeface="微软雅黑" panose="020B0503020204020204" pitchFamily="34" charset="-122"/>
+                        <a:ea typeface="微软雅黑" panose="020B0503020204020204" pitchFamily="34" charset="-122"/>
+                        <a:cs typeface="Times New Roman" panose="02020603050405020304" pitchFamily="18" charset="0"/>
+                        <a:sym typeface="+mn-ea"/>
+                      </a:endParaRPr>
                     </a:p>
                   </a:txBody>
                   <a:tcPr marL="45720" marR="45720" anchor="ctr"/>
@@ -9678,8 +11863,16 @@
                           <a:ea typeface="微软雅黑" panose="020B0503020204020204" pitchFamily="34" charset="-122"/>
                           <a:cs typeface="Times New Roman" panose="02020603050405020304" pitchFamily="18" charset="0"/>
                         </a:rPr>
-                        <a:t>无需重探索</a:t>
+                        <a:t>基于多维信息调度</a:t>
                       </a:r>
+                      <a:endParaRPr lang="en-US" altLang="zh-CN" sz="1100" b="1" dirty="0">
+                        <a:solidFill>
+                          <a:schemeClr val="bg1"/>
+                        </a:solidFill>
+                        <a:latin typeface="微软雅黑" panose="020B0503020204020204" pitchFamily="34" charset="-122"/>
+                        <a:ea typeface="微软雅黑" panose="020B0503020204020204" pitchFamily="34" charset="-122"/>
+                        <a:cs typeface="Times New Roman" panose="02020603050405020304" pitchFamily="18" charset="0"/>
+                      </a:endParaRPr>
                     </a:p>
                   </a:txBody>
                   <a:tcPr marL="45720" marR="45720" anchor="ctr"/>
@@ -9739,7 +11932,29 @@
                           <a:ea typeface="微软雅黑" panose="020B0503020204020204" pitchFamily="34" charset="-122"/>
                           <a:cs typeface="Times New Roman" panose="02020603050405020304" pitchFamily="18" charset="0"/>
                         </a:rPr>
-                        <a:t>[1,2,3,4,5]</a:t>
+                        <a:t>Android</a:t>
+                      </a:r>
+                      <a:r>
+                        <a:rPr lang="zh-CN" altLang="en-US" sz="1200" b="0" kern="1200" dirty="0">
+                          <a:solidFill>
+                            <a:schemeClr val="dk1"/>
+                          </a:solidFill>
+                          <a:latin typeface="微软雅黑" panose="020B0503020204020204" pitchFamily="34" charset="-122"/>
+                          <a:ea typeface="微软雅黑" panose="020B0503020204020204" pitchFamily="34" charset="-122"/>
+                          <a:cs typeface="Times New Roman" panose="02020603050405020304" pitchFamily="18" charset="0"/>
+                        </a:rPr>
+                        <a:t>原生系统，</a:t>
+                      </a:r>
+                      <a:r>
+                        <a:rPr lang="en-US" altLang="zh-CN" sz="1200" b="0" kern="1200" dirty="0">
+                          <a:solidFill>
+                            <a:schemeClr val="dk1"/>
+                          </a:solidFill>
+                          <a:latin typeface="微软雅黑" panose="020B0503020204020204" pitchFamily="34" charset="-122"/>
+                          <a:ea typeface="微软雅黑" panose="020B0503020204020204" pitchFamily="34" charset="-122"/>
+                          <a:cs typeface="Times New Roman" panose="02020603050405020304" pitchFamily="18" charset="0"/>
+                        </a:rPr>
+                        <a:t>[1,2]</a:t>
                       </a:r>
                     </a:p>
                   </a:txBody>
@@ -9775,7 +11990,7 @@
                           <a:ea typeface="微软雅黑" panose="020B0503020204020204" pitchFamily="34" charset="-122"/>
                           <a:cs typeface="Times New Roman" panose="02020603050405020304" pitchFamily="18" charset="0"/>
                         </a:rPr>
-                        <a:t>[6,8,9]</a:t>
+                        <a:t> [3,4,5,6,7]</a:t>
                       </a:r>
                     </a:p>
                   </a:txBody>
@@ -9838,7 +12053,31 @@
                           <a:cs typeface="Times New Roman" panose="02020603050405020304" pitchFamily="18" charset="0"/>
                           <a:sym typeface="+mn-ea"/>
                         </a:rPr>
-                        <a:t>[7]</a:t>
+                        <a:t>[8</a:t>
+                      </a:r>
+                      <a:r>
+                        <a:rPr lang="zh-CN" altLang="en-US" sz="1200" b="0" kern="1200" dirty="0">
+                          <a:solidFill>
+                            <a:schemeClr val="dk1"/>
+                          </a:solidFill>
+                          <a:latin typeface="微软雅黑" panose="020B0503020204020204" pitchFamily="34" charset="-122"/>
+                          <a:ea typeface="微软雅黑" panose="020B0503020204020204" pitchFamily="34" charset="-122"/>
+                          <a:cs typeface="Times New Roman" panose="02020603050405020304" pitchFamily="18" charset="0"/>
+                          <a:sym typeface="+mn-ea"/>
+                        </a:rPr>
+                        <a:t>，</a:t>
+                      </a:r>
+                      <a:r>
+                        <a:rPr lang="en-US" altLang="zh-CN" sz="1200" b="0" kern="1200" dirty="0">
+                          <a:solidFill>
+                            <a:schemeClr val="dk1"/>
+                          </a:solidFill>
+                          <a:latin typeface="微软雅黑" panose="020B0503020204020204" pitchFamily="34" charset="-122"/>
+                          <a:ea typeface="微软雅黑" panose="020B0503020204020204" pitchFamily="34" charset="-122"/>
+                          <a:cs typeface="Times New Roman" panose="02020603050405020304" pitchFamily="18" charset="0"/>
+                          <a:sym typeface="+mn-ea"/>
+                        </a:rPr>
+                        <a:t>9]</a:t>
                       </a:r>
                     </a:p>
                   </a:txBody>
@@ -9910,7 +12149,7 @@
 </p:sld>
 </file>
 
-<file path=ppt/slides/slide2.xml><?xml version="1.0" encoding="utf-8"?>
+<file path=ppt/slides/slide4.xml><?xml version="1.0" encoding="utf-8"?>
 <p:sld xmlns:a="http://schemas.openxmlformats.org/drawingml/2006/main" xmlns:r="http://schemas.openxmlformats.org/officeDocument/2006/relationships" xmlns:p="http://schemas.openxmlformats.org/presentationml/2006/main">
   <p:cSld>
     <p:spTree>
@@ -9936,7 +12175,7 @@
         <p:spPr>
           <a:xfrm>
             <a:off x="381000" y="986155"/>
-            <a:ext cx="11860530" cy="1753235"/>
+            <a:ext cx="11860530" cy="1526059"/>
           </a:xfrm>
           <a:prstGeom prst="rect">
             <a:avLst/>
@@ -9966,7 +12205,7 @@
               <a:defRPr/>
             </a:pPr>
             <a:r>
-              <a:rPr lang="en-US" altLang="zh-CN" noProof="0" dirty="0">
+              <a:rPr lang="en-US" altLang="zh-CN" sz="1600" noProof="0" dirty="0">
                 <a:ln>
                   <a:noFill/>
                 </a:ln>
@@ -9981,10 +12220,10 @@
                 <a:cs typeface="Times New Roman" panose="02020603050405020304" pitchFamily="18" charset="0"/>
                 <a:sym typeface="+mn-ea"/>
               </a:rPr>
-              <a:t>L1: </a:t>
-            </a:r>
-            <a:r>
-              <a:rPr lang="zh-CN" altLang="en-US" noProof="0" dirty="0">
+              <a:t>L1:</a:t>
+            </a:r>
+            <a:r>
+              <a:rPr lang="zh-CN" altLang="en-US" sz="1600" noProof="0" dirty="0">
                 <a:ln>
                   <a:noFill/>
                 </a:ln>
@@ -9999,10 +12238,10 @@
                 <a:cs typeface="Times New Roman" panose="02020603050405020304" pitchFamily="18" charset="0"/>
                 <a:sym typeface="+mn-ea"/>
               </a:rPr>
-              <a:t>现有方法集中于搜索，但搜索空间庞大，如果限制空间会导致性能受限，但在大空间内随机采样，效率低，且依赖庞大的成本模型评估效率</a:t>
-            </a:r>
-            <a:r>
-              <a:rPr lang="zh-CN" altLang="en-US" dirty="0">
+              <a:t>针对不同使用场景手动设计调度规则，需要开发者投入大量时间和精力来收集场景特征、分析性能瓶颈，并反复迭代优化</a:t>
+            </a:r>
+            <a:r>
+              <a:rPr lang="zh-CN" altLang="en-US" sz="1600" dirty="0">
                 <a:solidFill>
                   <a:prstClr val="black"/>
                 </a:solidFill>
@@ -10010,9 +12249,9 @@
                 <a:cs typeface="Times New Roman" panose="02020603050405020304" pitchFamily="18" charset="0"/>
                 <a:sym typeface="+mn-ea"/>
               </a:rPr>
-              <a:t>。</a:t>
-            </a:r>
-            <a:endParaRPr lang="zh-CN" altLang="en-US" dirty="0">
+              <a:t>。随着场景数量增加，这些手工规则不仅更新周期长，还易产生规则冲突和过期失效，难以快速响应新应用和新硬件平台的需求。</a:t>
+            </a:r>
+            <a:endParaRPr lang="zh-CN" altLang="en-US" sz="1600" dirty="0">
               <a:solidFill>
                 <a:prstClr val="black"/>
               </a:solidFill>
@@ -10038,7 +12277,7 @@
               <a:defRPr/>
             </a:pPr>
             <a:r>
-              <a:rPr lang="en-US" altLang="zh-CN" noProof="0" dirty="0">
+              <a:rPr lang="en-US" altLang="zh-CN" sz="1600" noProof="0" dirty="0">
                 <a:ln>
                   <a:noFill/>
                 </a:ln>
@@ -10053,20 +12292,109 @@
                 <a:cs typeface="Times New Roman" panose="02020603050405020304" pitchFamily="18" charset="0"/>
                 <a:sym typeface="+mn-ea"/>
               </a:rPr>
-              <a:t>L2: </a:t>
-            </a:r>
-            <a:r>
-              <a:rPr lang="zh-CN" altLang="en-US" dirty="0">
+              <a:t>L2:</a:t>
+            </a:r>
+            <a:r>
+              <a:rPr lang="zh-CN" altLang="en-US" sz="1600" noProof="0" dirty="0">
+                <a:ln>
+                  <a:noFill/>
+                </a:ln>
                 <a:solidFill>
                   <a:prstClr val="black"/>
                 </a:solidFill>
+                <a:effectLst/>
+                <a:uLnTx/>
+                <a:uFillTx/>
+                <a:latin typeface="FZXiaoBiaoSong-B05S" panose="02010601030101010101" pitchFamily="2" charset="-122"/>
                 <a:ea typeface="FZXiaoBiaoSong-B05S" panose="02010601030101010101" pitchFamily="2" charset="-122"/>
                 <a:cs typeface="Times New Roman" panose="02020603050405020304" pitchFamily="18" charset="0"/>
                 <a:sym typeface="+mn-ea"/>
               </a:rPr>
-              <a:t>现有方法在将针对特定硬件预训练的模型迁移到新设备时，需要重新收集数据、训练模型，这对边缘设备而言耗时长、效率低。</a:t>
-            </a:r>
-            <a:endParaRPr lang="zh-CN" altLang="en-US" noProof="0" dirty="0">
+              <a:t>现有基于规则的方法高度依赖预定义的系统指标阈值，只能监测</a:t>
+            </a:r>
+            <a:r>
+              <a:rPr lang="en-US" altLang="zh-CN" sz="1600" noProof="0" dirty="0">
+                <a:ln>
+                  <a:noFill/>
+                </a:ln>
+                <a:solidFill>
+                  <a:prstClr val="black"/>
+                </a:solidFill>
+                <a:effectLst/>
+                <a:uLnTx/>
+                <a:uFillTx/>
+                <a:latin typeface="FZXiaoBiaoSong-B05S" panose="02010601030101010101" pitchFamily="2" charset="-122"/>
+                <a:ea typeface="FZXiaoBiaoSong-B05S" panose="02010601030101010101" pitchFamily="2" charset="-122"/>
+                <a:cs typeface="Times New Roman" panose="02020603050405020304" pitchFamily="18" charset="0"/>
+                <a:sym typeface="+mn-ea"/>
+              </a:rPr>
+              <a:t>CPU</a:t>
+            </a:r>
+            <a:r>
+              <a:rPr lang="zh-CN" altLang="en-US" sz="1600" noProof="0" dirty="0">
+                <a:ln>
+                  <a:noFill/>
+                </a:ln>
+                <a:solidFill>
+                  <a:prstClr val="black"/>
+                </a:solidFill>
+                <a:effectLst/>
+                <a:uLnTx/>
+                <a:uFillTx/>
+                <a:latin typeface="FZXiaoBiaoSong-B05S" panose="02010601030101010101" pitchFamily="2" charset="-122"/>
+                <a:ea typeface="FZXiaoBiaoSong-B05S" panose="02010601030101010101" pitchFamily="2" charset="-122"/>
+                <a:cs typeface="Times New Roman" panose="02020603050405020304" pitchFamily="18" charset="0"/>
+                <a:sym typeface="+mn-ea"/>
+              </a:rPr>
+              <a:t>利用率、内存占用等系统环境信息，却没有考虑</a:t>
+            </a:r>
+            <a:r>
+              <a:rPr lang="en-US" altLang="zh-CN" sz="1600" noProof="0" dirty="0">
+                <a:ln>
+                  <a:noFill/>
+                </a:ln>
+                <a:solidFill>
+                  <a:prstClr val="black"/>
+                </a:solidFill>
+                <a:effectLst/>
+                <a:uLnTx/>
+                <a:uFillTx/>
+                <a:latin typeface="FZXiaoBiaoSong-B05S" panose="02010601030101010101" pitchFamily="2" charset="-122"/>
+                <a:ea typeface="FZXiaoBiaoSong-B05S" panose="02010601030101010101" pitchFamily="2" charset="-122"/>
+                <a:cs typeface="Times New Roman" panose="02020603050405020304" pitchFamily="18" charset="0"/>
+                <a:sym typeface="+mn-ea"/>
+              </a:rPr>
+              <a:t>app</a:t>
+            </a:r>
+            <a:r>
+              <a:rPr lang="zh-CN" altLang="en-US" sz="1600" noProof="0" dirty="0">
+                <a:ln>
+                  <a:noFill/>
+                </a:ln>
+                <a:solidFill>
+                  <a:prstClr val="black"/>
+                </a:solidFill>
+                <a:effectLst/>
+                <a:uLnTx/>
+                <a:uFillTx/>
+                <a:latin typeface="FZXiaoBiaoSong-B05S" panose="02010601030101010101" pitchFamily="2" charset="-122"/>
+                <a:ea typeface="FZXiaoBiaoSong-B05S" panose="02010601030101010101" pitchFamily="2" charset="-122"/>
+                <a:cs typeface="Times New Roman" panose="02020603050405020304" pitchFamily="18" charset="0"/>
+                <a:sym typeface="+mn-ea"/>
+              </a:rPr>
+              <a:t>需要的帧率、网络信息等，导致用户体验下降</a:t>
+            </a:r>
+            <a:r>
+              <a:rPr lang="zh-CN" altLang="en-US" sz="1600" dirty="0">
+                <a:solidFill>
+                  <a:prstClr val="black"/>
+                </a:solidFill>
+                <a:ea typeface="FZXiaoBiaoSong-B05S" panose="02010601030101010101" pitchFamily="2" charset="-122"/>
+                <a:cs typeface="Times New Roman" panose="02020603050405020304" pitchFamily="18" charset="0"/>
+              </a:rPr>
+              <a:t>。</a:t>
+            </a:r>
+            <a:endParaRPr lang="zh-CN" altLang="en-US" sz="1600" noProof="0" dirty="0">
               <a:ln>
                 <a:noFill/>
               </a:ln>
@@ -10152,8 +12480,8 @@
         </p:nvSpPr>
         <p:spPr>
           <a:xfrm>
-            <a:off x="1445260" y="3714115"/>
-            <a:ext cx="9529445" cy="2999740"/>
+            <a:off x="1431300" y="3895842"/>
+            <a:ext cx="9529445" cy="2962158"/>
           </a:xfrm>
           <a:prstGeom prst="rect">
             <a:avLst/>
@@ -10177,44 +12505,8 @@
                 <a:cs typeface="Times New Roman" panose="02020603050405020304" pitchFamily="18" charset="0"/>
                 <a:sym typeface="+mn-ea"/>
               </a:rPr>
-              <a:t>[1] </a:t>
-            </a:r>
-            <a:r>
-              <a:rPr lang="en-US" altLang="zh-CN" sz="1400" b="1" dirty="0">
-                <a:latin typeface="Times New Roman" panose="02020603050405020304" pitchFamily="18" charset="0"/>
-                <a:cs typeface="Times New Roman" panose="02020603050405020304" pitchFamily="18" charset="0"/>
-                <a:sym typeface="+mn-ea"/>
-              </a:rPr>
-              <a:t>OSDI'20 </a:t>
-            </a:r>
-            <a:r>
-              <a:rPr lang="en-US" altLang="zh-CN" sz="1400" dirty="0">
-                <a:latin typeface="Times New Roman" panose="02020603050405020304" pitchFamily="18" charset="0"/>
-                <a:cs typeface="Times New Roman" panose="02020603050405020304" pitchFamily="18" charset="0"/>
-                <a:sym typeface="+mn-ea"/>
-              </a:rPr>
-              <a:t> </a:t>
-            </a:r>
-            <a:r>
-              <a:rPr lang="en-US" altLang="zh-CN" sz="1400" i="1" dirty="0" err="1">
-                <a:latin typeface="Times New Roman" panose="02020603050405020304" pitchFamily="18" charset="0"/>
-                <a:cs typeface="Times New Roman" panose="02020603050405020304" pitchFamily="18" charset="0"/>
-                <a:sym typeface="+mn-ea"/>
-              </a:rPr>
-              <a:t>Ansor</a:t>
-            </a:r>
-            <a:r>
-              <a:rPr lang="en-US" altLang="zh-CN" sz="1400" i="1" dirty="0">
-                <a:latin typeface="Times New Roman" panose="02020603050405020304" pitchFamily="18" charset="0"/>
-                <a:cs typeface="Times New Roman" panose="02020603050405020304" pitchFamily="18" charset="0"/>
-                <a:sym typeface="+mn-ea"/>
-              </a:rPr>
-              <a:t>: Generating {High-Performance} tensor programs for deep learning</a:t>
-            </a:r>
-            <a:endParaRPr lang="en-US" altLang="zh-CN" sz="1400" dirty="0">
-              <a:latin typeface="Times New Roman" panose="02020603050405020304" pitchFamily="18" charset="0"/>
-              <a:cs typeface="Times New Roman" panose="02020603050405020304" pitchFamily="18" charset="0"/>
-            </a:endParaRPr>
+              <a:t>[1] ATC'20 - End the Senseless Killing: Improving Memory Management for Mobile Operating Systems</a:t>
+            </a:r>
           </a:p>
           <a:p>
             <a:pPr indent="0" fontAlgn="auto">
@@ -10228,36 +12520,8 @@
                 <a:cs typeface="Times New Roman" panose="02020603050405020304" pitchFamily="18" charset="0"/>
                 <a:sym typeface="+mn-ea"/>
               </a:rPr>
-              <a:t>[2] </a:t>
-            </a:r>
-            <a:r>
-              <a:rPr lang="en-US" altLang="zh-CN" sz="1400" b="1" dirty="0">
-                <a:latin typeface="Times New Roman" panose="02020603050405020304" pitchFamily="18" charset="0"/>
-                <a:cs typeface="Times New Roman" panose="02020603050405020304" pitchFamily="18" charset="0"/>
-                <a:sym typeface="+mn-ea"/>
-              </a:rPr>
-              <a:t>NIPS'18 </a:t>
-            </a:r>
-            <a:r>
-              <a:rPr lang="en-US" altLang="zh-CN" sz="1400" dirty="0">
-                <a:latin typeface="Times New Roman" panose="02020603050405020304" pitchFamily="18" charset="0"/>
-                <a:cs typeface="Times New Roman" panose="02020603050405020304" pitchFamily="18" charset="0"/>
-                <a:sym typeface="+mn-ea"/>
-              </a:rPr>
-              <a:t> </a:t>
-            </a:r>
-            <a:r>
-              <a:rPr lang="en-US" altLang="zh-CN" sz="1400" i="1" dirty="0">
-                <a:latin typeface="Times New Roman" panose="02020603050405020304" pitchFamily="18" charset="0"/>
-                <a:cs typeface="Times New Roman" panose="02020603050405020304" pitchFamily="18" charset="0"/>
-                <a:sym typeface="+mn-ea"/>
-              </a:rPr>
-              <a:t>Learning to optimize tensor programs</a:t>
-            </a:r>
-            <a:endParaRPr lang="en-US" altLang="zh-CN" sz="1400" i="1" dirty="0">
-              <a:latin typeface="Times New Roman" panose="02020603050405020304" pitchFamily="18" charset="0"/>
-              <a:cs typeface="Times New Roman" panose="02020603050405020304" pitchFamily="18" charset="0"/>
-            </a:endParaRPr>
+              <a:t>[2] HotStorage'19 - Mismatched memory management of Android smartphones</a:t>
+            </a:r>
           </a:p>
           <a:p>
             <a:pPr indent="0" fontAlgn="auto">
@@ -10271,15 +12535,15 @@
                 <a:cs typeface="Times New Roman" panose="02020603050405020304" pitchFamily="18" charset="0"/>
                 <a:sym typeface="+mn-ea"/>
               </a:rPr>
-              <a:t>[3] </a:t>
-            </a:r>
-            <a:r>
-              <a:rPr lang="en-US" altLang="zh-CN" sz="1400" b="1" dirty="0">
+              <a:t>[3] APSys'21 - </a:t>
+            </a:r>
+            <a:r>
+              <a:rPr lang="en-US" altLang="zh-CN" sz="1400" dirty="0" err="1">
                 <a:latin typeface="Times New Roman" panose="02020603050405020304" pitchFamily="18" charset="0"/>
                 <a:cs typeface="Times New Roman" panose="02020603050405020304" pitchFamily="18" charset="0"/>
                 <a:sym typeface="+mn-ea"/>
               </a:rPr>
-              <a:t>NIPS'22</a:t>
+              <a:t>SmartOS</a:t>
             </a:r>
             <a:r>
               <a:rPr lang="en-US" altLang="zh-CN" sz="1400" dirty="0">
@@ -10287,20 +12551,8 @@
                 <a:cs typeface="Times New Roman" panose="02020603050405020304" pitchFamily="18" charset="0"/>
                 <a:sym typeface="+mn-ea"/>
               </a:rPr>
-              <a:t>  </a:t>
-            </a:r>
-            <a:r>
-              <a:rPr lang="en-US" altLang="zh-CN" sz="1400" i="1" dirty="0">
-                <a:latin typeface="Times New Roman" panose="02020603050405020304" pitchFamily="18" charset="0"/>
-                <a:cs typeface="Times New Roman" panose="02020603050405020304" pitchFamily="18" charset="0"/>
-                <a:sym typeface="+mn-ea"/>
-              </a:rPr>
-              <a:t>Tensor program optimization with probabilistic programs</a:t>
-            </a:r>
-            <a:endParaRPr lang="en-US" altLang="zh-CN" sz="1400" dirty="0">
-              <a:latin typeface="Times New Roman" panose="02020603050405020304" pitchFamily="18" charset="0"/>
-              <a:cs typeface="Times New Roman" panose="02020603050405020304" pitchFamily="18" charset="0"/>
-            </a:endParaRPr>
+              <a:t>: Towards Automated Learning and User-Adaptive Resource Allocation in Operating Systems</a:t>
+            </a:r>
           </a:p>
           <a:p>
             <a:pPr indent="0" fontAlgn="auto">
@@ -10314,36 +12566,8 @@
                 <a:cs typeface="Times New Roman" panose="02020603050405020304" pitchFamily="18" charset="0"/>
                 <a:sym typeface="+mn-ea"/>
               </a:rPr>
-              <a:t>[4] </a:t>
-            </a:r>
-            <a:r>
-              <a:rPr lang="en-US" altLang="zh-CN" sz="1400" b="1" dirty="0">
-                <a:latin typeface="Times New Roman" panose="02020603050405020304" pitchFamily="18" charset="0"/>
-                <a:cs typeface="Times New Roman" panose="02020603050405020304" pitchFamily="18" charset="0"/>
-                <a:sym typeface="+mn-ea"/>
-              </a:rPr>
-              <a:t>NIPS'21</a:t>
-            </a:r>
-            <a:r>
-              <a:rPr lang="en-US" altLang="zh-CN" sz="1400" dirty="0">
-                <a:latin typeface="Times New Roman" panose="02020603050405020304" pitchFamily="18" charset="0"/>
-                <a:cs typeface="Times New Roman" panose="02020603050405020304" pitchFamily="18" charset="0"/>
-                <a:sym typeface="+mn-ea"/>
-              </a:rPr>
-              <a:t>  </a:t>
-            </a:r>
-            <a:r>
-              <a:rPr lang="en-US" altLang="zh-CN" sz="1400" i="1" dirty="0">
-                <a:latin typeface="Times New Roman" panose="02020603050405020304" pitchFamily="18" charset="0"/>
-                <a:cs typeface="Times New Roman" panose="02020603050405020304" pitchFamily="18" charset="0"/>
-                <a:sym typeface="+mn-ea"/>
-              </a:rPr>
-              <a:t>A large-scale program performance dataset for learned tensor compilers</a:t>
-            </a:r>
-            <a:endParaRPr lang="en-US" altLang="zh-CN" sz="1400" dirty="0">
-              <a:latin typeface="Times New Roman" panose="02020603050405020304" pitchFamily="18" charset="0"/>
-              <a:cs typeface="Times New Roman" panose="02020603050405020304" pitchFamily="18" charset="0"/>
-            </a:endParaRPr>
+              <a:t>[4] ATC'20 - Acclaim: Adaptive Memory Reclaim to Improve User Experience in Android Systems </a:t>
+            </a:r>
           </a:p>
           <a:p>
             <a:pPr indent="0" fontAlgn="auto">
@@ -10357,52 +12581,8 @@
                 <a:cs typeface="Times New Roman" panose="02020603050405020304" pitchFamily="18" charset="0"/>
                 <a:sym typeface="+mn-ea"/>
               </a:rPr>
-              <a:t>[5] </a:t>
-            </a:r>
-            <a:r>
-              <a:rPr lang="en-US" altLang="zh-CN" sz="1400" b="1" dirty="0">
-                <a:latin typeface="Times New Roman" panose="02020603050405020304" pitchFamily="18" charset="0"/>
-                <a:cs typeface="Times New Roman" panose="02020603050405020304" pitchFamily="18" charset="0"/>
-                <a:sym typeface="+mn-ea"/>
-              </a:rPr>
-              <a:t>ASPLOS’23</a:t>
-            </a:r>
-            <a:r>
-              <a:rPr lang="en-US" altLang="zh-CN" sz="1400" dirty="0">
-                <a:latin typeface="Times New Roman" panose="02020603050405020304" pitchFamily="18" charset="0"/>
-                <a:cs typeface="Times New Roman" panose="02020603050405020304" pitchFamily="18" charset="0"/>
-                <a:sym typeface="+mn-ea"/>
-              </a:rPr>
-              <a:t>  </a:t>
-            </a:r>
-            <a:r>
-              <a:rPr lang="en-US" altLang="zh-CN" sz="1400" i="1" dirty="0">
-                <a:latin typeface="Times New Roman" panose="02020603050405020304" pitchFamily="18" charset="0"/>
-                <a:cs typeface="Times New Roman" panose="02020603050405020304" pitchFamily="18" charset="0"/>
-                <a:sym typeface="+mn-ea"/>
-              </a:rPr>
-              <a:t>A deep </a:t>
-            </a:r>
-            <a:r>
-              <a:rPr lang="en-US" altLang="zh-CN" sz="1400" i="1" dirty="0" err="1">
-                <a:latin typeface="Times New Roman" panose="02020603050405020304" pitchFamily="18" charset="0"/>
-                <a:cs typeface="Times New Roman" panose="02020603050405020304" pitchFamily="18" charset="0"/>
-                <a:sym typeface="+mn-ea"/>
-              </a:rPr>
-              <a:t>learningbased</a:t>
-            </a:r>
-            <a:r>
-              <a:rPr lang="en-US" altLang="zh-CN" sz="1400" i="1" dirty="0">
-                <a:latin typeface="Times New Roman" panose="02020603050405020304" pitchFamily="18" charset="0"/>
-                <a:cs typeface="Times New Roman" panose="02020603050405020304" pitchFamily="18" charset="0"/>
-                <a:sym typeface="+mn-ea"/>
-              </a:rPr>
-              <a:t> cost model for tensor program tuning</a:t>
-            </a:r>
-            <a:endParaRPr lang="en-US" altLang="zh-CN" sz="1400" dirty="0">
-              <a:latin typeface="Times New Roman" panose="02020603050405020304" pitchFamily="18" charset="0"/>
-              <a:cs typeface="Times New Roman" panose="02020603050405020304" pitchFamily="18" charset="0"/>
-            </a:endParaRPr>
+              <a:t>[5] ACM TACO'25-An Intelligent Scheduling Approach on Mobile OS for Optimizing UI Smoothness and Power</a:t>
+            </a:r>
           </a:p>
           <a:p>
             <a:pPr indent="0" fontAlgn="auto">
@@ -10416,36 +12596,8 @@
                 <a:cs typeface="Times New Roman" panose="02020603050405020304" pitchFamily="18" charset="0"/>
                 <a:sym typeface="+mn-ea"/>
               </a:rPr>
-              <a:t>[6] </a:t>
-            </a:r>
-            <a:r>
-              <a:rPr lang="en-US" altLang="zh-CN" sz="1400" b="1" dirty="0">
-                <a:latin typeface="Times New Roman" panose="02020603050405020304" pitchFamily="18" charset="0"/>
-                <a:cs typeface="Times New Roman" panose="02020603050405020304" pitchFamily="18" charset="0"/>
-                <a:sym typeface="+mn-ea"/>
-              </a:rPr>
-              <a:t>OSDI'22</a:t>
-            </a:r>
-            <a:r>
-              <a:rPr lang="en-US" altLang="zh-CN" sz="1400" dirty="0">
-                <a:latin typeface="Times New Roman" panose="02020603050405020304" pitchFamily="18" charset="0"/>
-                <a:cs typeface="Times New Roman" panose="02020603050405020304" pitchFamily="18" charset="0"/>
-                <a:sym typeface="+mn-ea"/>
-              </a:rPr>
-              <a:t>  </a:t>
-            </a:r>
-            <a:r>
-              <a:rPr lang="en-US" altLang="zh-CN" sz="1400" i="1" dirty="0">
-                <a:latin typeface="Times New Roman" panose="02020603050405020304" pitchFamily="18" charset="0"/>
-                <a:cs typeface="Times New Roman" panose="02020603050405020304" pitchFamily="18" charset="0"/>
-                <a:sym typeface="+mn-ea"/>
-              </a:rPr>
-              <a:t>{ROLLER}: Fast and efficient tensor compilation for deep learning</a:t>
-            </a:r>
-            <a:endParaRPr lang="en-US" altLang="zh-CN" sz="1400" i="1" dirty="0">
-              <a:latin typeface="Times New Roman" panose="02020603050405020304" pitchFamily="18" charset="0"/>
-              <a:cs typeface="Times New Roman" panose="02020603050405020304" pitchFamily="18" charset="0"/>
-            </a:endParaRPr>
+              <a:t>[6] ASPLOS'23-Towards a Machine Learning-Assisted Kernel with Lake</a:t>
+            </a:r>
           </a:p>
           <a:p>
             <a:pPr indent="0" fontAlgn="auto">
@@ -10459,36 +12611,8 @@
                 <a:cs typeface="Times New Roman" panose="02020603050405020304" pitchFamily="18" charset="0"/>
                 <a:sym typeface="+mn-ea"/>
               </a:rPr>
-              <a:t>[7] </a:t>
-            </a:r>
-            <a:r>
-              <a:rPr lang="en-US" altLang="zh-CN" sz="1400" b="1" dirty="0">
-                <a:latin typeface="Times New Roman" panose="02020603050405020304" pitchFamily="18" charset="0"/>
-                <a:cs typeface="Times New Roman" panose="02020603050405020304" pitchFamily="18" charset="0"/>
-                <a:sym typeface="+mn-ea"/>
-              </a:rPr>
-              <a:t>OSDI'24</a:t>
-            </a:r>
-            <a:r>
-              <a:rPr lang="en-US" altLang="zh-CN" sz="1400" dirty="0">
-                <a:latin typeface="Times New Roman" panose="02020603050405020304" pitchFamily="18" charset="0"/>
-                <a:cs typeface="Times New Roman" panose="02020603050405020304" pitchFamily="18" charset="0"/>
-                <a:sym typeface="+mn-ea"/>
-              </a:rPr>
-              <a:t>  </a:t>
-            </a:r>
-            <a:r>
-              <a:rPr lang="en-US" altLang="zh-CN" sz="1400" i="1" dirty="0">
-                <a:latin typeface="Times New Roman" panose="02020603050405020304" pitchFamily="18" charset="0"/>
-                <a:cs typeface="Times New Roman" panose="02020603050405020304" pitchFamily="18" charset="0"/>
-                <a:sym typeface="+mn-ea"/>
-              </a:rPr>
-              <a:t>Enabling Tensor Language Model to Assist in Generating High-Performance Tensor Programs for Deep Learning</a:t>
-            </a:r>
-            <a:endParaRPr lang="en-US" altLang="zh-CN" sz="1400" i="1" dirty="0">
-              <a:latin typeface="Times New Roman" panose="02020603050405020304" pitchFamily="18" charset="0"/>
-              <a:cs typeface="Times New Roman" panose="02020603050405020304" pitchFamily="18" charset="0"/>
-            </a:endParaRPr>
+              <a:t>[7] TMC'2024-QoS-Aware Power Management via Scheduling and Governing Co-Optimization on  Mobile Devices</a:t>
+            </a:r>
           </a:p>
           <a:p>
             <a:pPr indent="0" fontAlgn="auto">
@@ -10502,15 +12626,15 @@
                 <a:cs typeface="Times New Roman" panose="02020603050405020304" pitchFamily="18" charset="0"/>
                 <a:sym typeface="+mn-ea"/>
               </a:rPr>
-              <a:t>[8] </a:t>
-            </a:r>
-            <a:r>
-              <a:rPr lang="en-US" altLang="zh-CN" sz="1400" b="1" dirty="0">
+              <a:t>[8] HOTOS'21-Toward reconfigurable kernel </a:t>
+            </a:r>
+            <a:r>
+              <a:rPr lang="en-US" altLang="zh-CN" sz="1400" dirty="0" err="1">
                 <a:latin typeface="Times New Roman" panose="02020603050405020304" pitchFamily="18" charset="0"/>
                 <a:cs typeface="Times New Roman" panose="02020603050405020304" pitchFamily="18" charset="0"/>
                 <a:sym typeface="+mn-ea"/>
               </a:rPr>
-              <a:t>ASPLOS'25</a:t>
+              <a:t>datapaths</a:t>
             </a:r>
             <a:r>
               <a:rPr lang="en-US" altLang="zh-CN" sz="1400" dirty="0">
@@ -10518,20 +12642,8 @@
                 <a:cs typeface="Times New Roman" panose="02020603050405020304" pitchFamily="18" charset="0"/>
                 <a:sym typeface="+mn-ea"/>
               </a:rPr>
-              <a:t>  </a:t>
-            </a:r>
-            <a:r>
-              <a:rPr lang="en-US" altLang="zh-CN" sz="1400" i="1" dirty="0">
-                <a:latin typeface="Times New Roman" panose="02020603050405020304" pitchFamily="18" charset="0"/>
-                <a:cs typeface="Times New Roman" panose="02020603050405020304" pitchFamily="18" charset="0"/>
-                <a:sym typeface="+mn-ea"/>
-              </a:rPr>
-              <a:t>Pruner: A Draft-then-Verify Exploration Mechanism to Accelerate Tensor Program Tuning </a:t>
-            </a:r>
-            <a:endParaRPr lang="en-US" altLang="zh-CN" sz="1400" dirty="0">
-              <a:latin typeface="Times New Roman" panose="02020603050405020304" pitchFamily="18" charset="0"/>
-              <a:cs typeface="Times New Roman" panose="02020603050405020304" pitchFamily="18" charset="0"/>
-            </a:endParaRPr>
+              <a:t> with learned optimizations</a:t>
+            </a:r>
           </a:p>
           <a:p>
             <a:pPr indent="0" fontAlgn="auto">
@@ -10545,38 +12657,25 @@
                 <a:cs typeface="Times New Roman" panose="02020603050405020304" pitchFamily="18" charset="0"/>
                 <a:sym typeface="+mn-ea"/>
               </a:rPr>
-              <a:t>[9] </a:t>
-            </a:r>
-            <a:r>
-              <a:rPr lang="en-US" altLang="zh-CN" sz="1400" b="1" dirty="0">
-                <a:latin typeface="Times New Roman" panose="02020603050405020304" pitchFamily="18" charset="0"/>
-                <a:cs typeface="Times New Roman" panose="02020603050405020304" pitchFamily="18" charset="0"/>
-                <a:sym typeface="+mn-ea"/>
-              </a:rPr>
-              <a:t>JSA'25</a:t>
-            </a:r>
-            <a:r>
-              <a:rPr lang="en-US" altLang="zh-CN" sz="1400" dirty="0">
-                <a:latin typeface="Times New Roman" panose="02020603050405020304" pitchFamily="18" charset="0"/>
-                <a:cs typeface="Times New Roman" panose="02020603050405020304" pitchFamily="18" charset="0"/>
-                <a:sym typeface="+mn-ea"/>
-              </a:rPr>
-              <a:t>  </a:t>
-            </a:r>
-            <a:r>
-              <a:rPr lang="en-US" altLang="zh-CN" sz="1400" i="1" dirty="0">
-                <a:latin typeface="Times New Roman" panose="02020603050405020304" pitchFamily="18" charset="0"/>
-                <a:cs typeface="Times New Roman" panose="02020603050405020304" pitchFamily="18" charset="0"/>
-                <a:sym typeface="+mn-ea"/>
-              </a:rPr>
-              <a:t>GTA: Generating high-performance tensorized program with dual-task scheduling</a:t>
-            </a:r>
+              <a:t>[9] ASPLOS'23-A Prediction System Service</a:t>
+            </a:r>
+            <a:endParaRPr lang="en-US" altLang="zh-CN" sz="1400" i="1" dirty="0">
+              <a:latin typeface="Times New Roman" panose="02020603050405020304" pitchFamily="18" charset="0"/>
+              <a:cs typeface="Times New Roman" panose="02020603050405020304" pitchFamily="18" charset="0"/>
+              <a:sym typeface="+mn-ea"/>
+            </a:endParaRPr>
           </a:p>
         </p:txBody>
       </p:sp>
       <p:graphicFrame>
         <p:nvGraphicFramePr>
-          <p:cNvPr id="8" name="表格 7"/>
+          <p:cNvPr id="3" name="表格 2">
+            <a:extLst>
+              <a:ext uri="{FF2B5EF4-FFF2-40B4-BE49-F238E27FC236}">
+                <a16:creationId xmlns:a16="http://schemas.microsoft.com/office/drawing/2014/main" id="{3B50A70D-528D-672A-1A05-4FB054952F07}"/>
+              </a:ext>
+            </a:extLst>
+          </p:cNvPr>
           <p:cNvGraphicFramePr>
             <a:graphicFrameLocks noGrp="1"/>
           </p:cNvGraphicFramePr>
@@ -10584,11 +12683,16 @@
             <p:custDataLst>
               <p:tags r:id="rId1"/>
             </p:custDataLst>
+            <p:extLst>
+              <p:ext uri="{D42A27DB-BD31-4B8C-83A1-F6EECF244321}">
+                <p14:modId xmlns:p14="http://schemas.microsoft.com/office/powerpoint/2010/main" val="1060327535"/>
+              </p:ext>
+            </p:extLst>
           </p:nvPr>
         </p:nvGraphicFramePr>
         <p:xfrm>
-          <a:off x="2999740" y="2526030"/>
-          <a:ext cx="5756910" cy="1139190"/>
+          <a:off x="2568697" y="2670329"/>
+          <a:ext cx="6987132" cy="1265740"/>
         </p:xfrm>
         <a:graphic>
           <a:graphicData uri="http://schemas.openxmlformats.org/drawingml/2006/table">
@@ -10597,21 +12701,21 @@
                 <a:tableStyleId>{5C22544A-7EE6-4342-B048-85BDC9FD1C3A}</a:tableStyleId>
               </a:tblPr>
               <a:tblGrid>
-                <a:gridCol w="1734820">
+                <a:gridCol w="2301157">
                   <a:extLst>
                     <a:ext uri="{9D8B030D-6E8A-4147-A177-3AD203B41FA5}">
                       <a16:colId xmlns:a16="http://schemas.microsoft.com/office/drawing/2014/main" val="20000"/>
                     </a:ext>
                   </a:extLst>
                 </a:gridCol>
-                <a:gridCol w="1965960">
+                <a:gridCol w="2290461">
                   <a:extLst>
                     <a:ext uri="{9D8B030D-6E8A-4147-A177-3AD203B41FA5}">
                       <a16:colId xmlns:a16="http://schemas.microsoft.com/office/drawing/2014/main" val="20001"/>
                     </a:ext>
                   </a:extLst>
                 </a:gridCol>
-                <a:gridCol w="2056130">
+                <a:gridCol w="2395514">
                   <a:extLst>
                     <a:ext uri="{9D8B030D-6E8A-4147-A177-3AD203B41FA5}">
                       <a16:colId xmlns:a16="http://schemas.microsoft.com/office/drawing/2014/main" val="20002"/>
@@ -10619,7 +12723,7 @@
                   </a:extLst>
                 </a:gridCol>
               </a:tblGrid>
-              <a:tr h="407670">
+              <a:tr h="450593">
                 <a:tc>
                   <a:txBody>
                     <a:bodyPr/>
@@ -10627,12 +12731,12 @@
                     <a:p>
                       <a:pPr algn="ctr"/>
                       <a:r>
-                        <a:rPr lang="zh-CN" altLang="en-US" sz="1600" dirty="0">
+                        <a:rPr lang="zh-CN" altLang="en-US" sz="1200" b="1" dirty="0">
                           <a:latin typeface="微软雅黑" panose="020B0503020204020204" pitchFamily="34" charset="-122"/>
                           <a:ea typeface="微软雅黑" panose="020B0503020204020204" pitchFamily="34" charset="-122"/>
                           <a:cs typeface="Times New Roman" panose="02020603050405020304" pitchFamily="18" charset="0"/>
                         </a:rPr>
-                        <a:t>边缘张量程序优化</a:t>
+                        <a:t>移动端资源调度</a:t>
                       </a:r>
                     </a:p>
                   </a:txBody>
@@ -10645,13 +12749,49 @@
                     <a:p>
                       <a:pPr algn="ctr"/>
                       <a:r>
-                        <a:rPr lang="zh-CN" altLang="en-US" sz="1800" dirty="0">
+                        <a:rPr lang="zh-CN" altLang="en-US" sz="1200" b="1" dirty="0">
                           <a:latin typeface="微软雅黑" panose="020B0503020204020204" pitchFamily="34" charset="-122"/>
                           <a:ea typeface="微软雅黑" panose="020B0503020204020204" pitchFamily="34" charset="-122"/>
                           <a:cs typeface="Times New Roman" panose="02020603050405020304" pitchFamily="18" charset="0"/>
                           <a:sym typeface="+mn-ea"/>
                         </a:rPr>
-                        <a:t>需要重探索</a:t>
+                        <a:t> 仅基于系统环境信息调度</a:t>
+                      </a:r>
+                      <a:endParaRPr lang="en-US" altLang="zh-CN" sz="1200" b="1" dirty="0">
+                        <a:latin typeface="微软雅黑" panose="020B0503020204020204" pitchFamily="34" charset="-122"/>
+                        <a:ea typeface="微软雅黑" panose="020B0503020204020204" pitchFamily="34" charset="-122"/>
+                        <a:cs typeface="Times New Roman" panose="02020603050405020304" pitchFamily="18" charset="0"/>
+                        <a:sym typeface="+mn-ea"/>
+                      </a:endParaRPr>
+                    </a:p>
+                    <a:p>
+                      <a:pPr algn="ctr"/>
+                      <a:r>
+                        <a:rPr lang="zh-CN" altLang="en-US" sz="1200" b="1" dirty="0">
+                          <a:latin typeface="微软雅黑" panose="020B0503020204020204" pitchFamily="34" charset="-122"/>
+                          <a:ea typeface="微软雅黑" panose="020B0503020204020204" pitchFamily="34" charset="-122"/>
+                          <a:cs typeface="Times New Roman" panose="02020603050405020304" pitchFamily="18" charset="0"/>
+                          <a:sym typeface="+mn-ea"/>
+                        </a:rPr>
+                        <a:t>（</a:t>
+                      </a:r>
+                      <a:r>
+                        <a:rPr lang="en-US" altLang="zh-CN" sz="1200" b="1" dirty="0">
+                          <a:latin typeface="微软雅黑" panose="020B0503020204020204" pitchFamily="34" charset="-122"/>
+                          <a:ea typeface="微软雅黑" panose="020B0503020204020204" pitchFamily="34" charset="-122"/>
+                          <a:cs typeface="Times New Roman" panose="02020603050405020304" pitchFamily="18" charset="0"/>
+                          <a:sym typeface="+mn-ea"/>
+                        </a:rPr>
+                        <a:t>CPU</a:t>
+                      </a:r>
+                      <a:r>
+                        <a:rPr lang="zh-CN" altLang="en-US" sz="1200" b="1" dirty="0">
+                          <a:latin typeface="微软雅黑" panose="020B0503020204020204" pitchFamily="34" charset="-122"/>
+                          <a:ea typeface="微软雅黑" panose="020B0503020204020204" pitchFamily="34" charset="-122"/>
+                          <a:cs typeface="Times New Roman" panose="02020603050405020304" pitchFamily="18" charset="0"/>
+                          <a:sym typeface="+mn-ea"/>
+                        </a:rPr>
+                        <a:t>利用率、内存信息）</a:t>
                       </a:r>
                     </a:p>
                   </a:txBody>
@@ -10664,7 +12804,7 @@
                     <a:p>
                       <a:pPr algn="ctr"/>
                       <a:r>
-                        <a:rPr lang="zh-CN" altLang="en-US" sz="1800" dirty="0">
+                        <a:rPr lang="zh-CN" altLang="en-US" sz="1200" b="1" dirty="0">
                           <a:solidFill>
                             <a:schemeClr val="bg1"/>
                           </a:solidFill>
@@ -10672,7 +12812,51 @@
                           <a:ea typeface="微软雅黑" panose="020B0503020204020204" pitchFamily="34" charset="-122"/>
                           <a:cs typeface="Times New Roman" panose="02020603050405020304" pitchFamily="18" charset="0"/>
                         </a:rPr>
-                        <a:t>无需重探索</a:t>
+                        <a:t>基于多维信息调度</a:t>
+                      </a:r>
+                      <a:endParaRPr lang="en-US" altLang="zh-CN" sz="1200" b="1" dirty="0">
+                        <a:solidFill>
+                          <a:schemeClr val="bg1"/>
+                        </a:solidFill>
+                        <a:latin typeface="微软雅黑" panose="020B0503020204020204" pitchFamily="34" charset="-122"/>
+                        <a:ea typeface="微软雅黑" panose="020B0503020204020204" pitchFamily="34" charset="-122"/>
+                        <a:cs typeface="Times New Roman" panose="02020603050405020304" pitchFamily="18" charset="0"/>
+                      </a:endParaRPr>
+                    </a:p>
+                    <a:p>
+                      <a:pPr algn="ctr"/>
+                      <a:r>
+                        <a:rPr lang="zh-CN" altLang="en-US" sz="1200" b="1" dirty="0">
+                          <a:solidFill>
+                            <a:schemeClr val="bg1"/>
+                          </a:solidFill>
+                          <a:latin typeface="微软雅黑" panose="020B0503020204020204" pitchFamily="34" charset="-122"/>
+                          <a:ea typeface="微软雅黑" panose="020B0503020204020204" pitchFamily="34" charset="-122"/>
+                          <a:cs typeface="Times New Roman" panose="02020603050405020304" pitchFamily="18" charset="0"/>
+                        </a:rPr>
+                        <a:t>（应用场景、</a:t>
+                      </a:r>
+                      <a:r>
+                        <a:rPr lang="en-US" altLang="zh-CN" sz="1200" b="1" dirty="0">
+                          <a:solidFill>
+                            <a:schemeClr val="bg1"/>
+                          </a:solidFill>
+                          <a:latin typeface="微软雅黑" panose="020B0503020204020204" pitchFamily="34" charset="-122"/>
+                          <a:ea typeface="微软雅黑" panose="020B0503020204020204" pitchFamily="34" charset="-122"/>
+                          <a:cs typeface="Times New Roman" panose="02020603050405020304" pitchFamily="18" charset="0"/>
+                        </a:rPr>
+                        <a:t>APP</a:t>
+                      </a:r>
+                      <a:r>
+                        <a:rPr lang="zh-CN" altLang="en-US" sz="1200" b="1" dirty="0">
+                          <a:solidFill>
+                            <a:schemeClr val="bg1"/>
+                          </a:solidFill>
+                          <a:latin typeface="微软雅黑" panose="020B0503020204020204" pitchFamily="34" charset="-122"/>
+                          <a:ea typeface="微软雅黑" panose="020B0503020204020204" pitchFamily="34" charset="-122"/>
+                          <a:cs typeface="Times New Roman" panose="02020603050405020304" pitchFamily="18" charset="0"/>
+                        </a:rPr>
+                        <a:t>信息、日志等）</a:t>
                       </a:r>
                     </a:p>
                   </a:txBody>
@@ -10684,7 +12868,7 @@
                   </a:ext>
                 </a:extLst>
               </a:tr>
-              <a:tr h="365760">
+              <a:tr h="404270">
                 <a:tc>
                   <a:txBody>
                     <a:bodyPr/>
@@ -10692,12 +12876,45 @@
                     <a:p>
                       <a:pPr algn="ctr"/>
                       <a:r>
-                        <a:rPr lang="zh-CN" altLang="en-US" sz="1800">
+                        <a:rPr lang="zh-CN" altLang="en-US" sz="1200" b="1" dirty="0">
                           <a:latin typeface="微软雅黑" panose="020B0503020204020204" pitchFamily="34" charset="-122"/>
                           <a:ea typeface="微软雅黑" panose="020B0503020204020204" pitchFamily="34" charset="-122"/>
                           <a:cs typeface="Times New Roman" panose="02020603050405020304" pitchFamily="18" charset="0"/>
                         </a:rPr>
-                        <a:t>基于搜索</a:t>
+                        <a:t>调度策略手动设计</a:t>
+                      </a:r>
+                    </a:p>
+                  </a:txBody>
+                  <a:tcPr marL="45720" marR="45720" anchor="ctr"/>
+                </a:tc>
+                <a:tc>
+                  <a:txBody>
+                    <a:bodyPr/>
+                    <a:lstStyle/>
+                    <a:p>
+                      <a:r>
+                        <a:rPr lang="en-US" altLang="zh-CN" sz="1400" dirty="0">
+                          <a:effectLst/>
+                          <a:latin typeface="微软雅黑" panose="020B0503020204020204" pitchFamily="34" charset="-122"/>
+                          <a:ea typeface="微软雅黑" panose="020B0503020204020204" pitchFamily="34" charset="-122"/>
+                        </a:rPr>
+                        <a:t>Android</a:t>
+                      </a:r>
+                      <a:r>
+                        <a:rPr lang="zh-CN" altLang="en-US" sz="1400" dirty="0">
+                          <a:effectLst/>
+                          <a:latin typeface="微软雅黑" panose="020B0503020204020204" pitchFamily="34" charset="-122"/>
+                          <a:ea typeface="微软雅黑" panose="020B0503020204020204" pitchFamily="34" charset="-122"/>
+                        </a:rPr>
+                        <a:t>原生系统，</a:t>
+                      </a:r>
+                      <a:r>
+                        <a:rPr lang="en-US" altLang="zh-CN" sz="1400" dirty="0">
+                          <a:effectLst/>
+                          <a:latin typeface="微软雅黑" panose="020B0503020204020204" pitchFamily="34" charset="-122"/>
+                          <a:ea typeface="微软雅黑" panose="020B0503020204020204" pitchFamily="34" charset="-122"/>
+                        </a:rPr>
+                        <a:t>[1,2]</a:t>
                       </a:r>
                     </a:p>
                   </a:txBody>
@@ -10725,7 +12942,7 @@
                         <a:defRPr/>
                       </a:pPr>
                       <a:r>
-                        <a:rPr lang="en-US" altLang="zh-CN" sz="1800" kern="1200" dirty="0">
+                        <a:rPr lang="en-US" altLang="zh-CN" sz="1400" b="0" kern="1200" dirty="0">
                           <a:solidFill>
                             <a:schemeClr val="dk1"/>
                           </a:solidFill>
@@ -10733,7 +12950,33 @@
                           <a:ea typeface="微软雅黑" panose="020B0503020204020204" pitchFamily="34" charset="-122"/>
                           <a:cs typeface="Times New Roman" panose="02020603050405020304" pitchFamily="18" charset="0"/>
                         </a:rPr>
-                        <a:t>[1,2,3,4,5]</a:t>
+                        <a:t>[3,4,5,6,7]</a:t>
+                      </a:r>
+                    </a:p>
+                  </a:txBody>
+                  <a:tcPr marL="45720" marR="45720" anchor="ctr"/>
+                </a:tc>
+                <a:extLst>
+                  <a:ext uri="{0D108BD9-81ED-4DB2-BD59-A6C34878D82A}">
+                    <a16:rowId xmlns:a16="http://schemas.microsoft.com/office/drawing/2014/main" val="10001"/>
+                  </a:ext>
+                </a:extLst>
+              </a:tr>
+              <a:tr h="404270">
+                <a:tc>
+                  <a:txBody>
+                    <a:bodyPr/>
+                    <a:lstStyle/>
+                    <a:p>
+                      <a:pPr algn="ctr"/>
+                      <a:r>
+                        <a:rPr lang="zh-CN" altLang="en-US" sz="1200" b="1" dirty="0">
+                          <a:latin typeface="微软雅黑" panose="020B0503020204020204" pitchFamily="34" charset="-122"/>
+                          <a:ea typeface="微软雅黑" panose="020B0503020204020204" pitchFamily="34" charset="-122"/>
+                          <a:cs typeface="Times New Roman" panose="02020603050405020304" pitchFamily="18" charset="0"/>
+                          <a:sym typeface="+mn-ea"/>
+                        </a:rPr>
+                        <a:t>调度策略自动生成</a:t>
                       </a:r>
                     </a:p>
                   </a:txBody>
@@ -10761,41 +13004,40 @@
                         <a:defRPr/>
                       </a:pPr>
                       <a:r>
-                        <a:rPr lang="en-US" altLang="zh-CN" sz="1800" kern="1200" dirty="0">
+                        <a:rPr lang="en-US" altLang="zh-CN" sz="1400" b="0" kern="1200" dirty="0">
                           <a:solidFill>
                             <a:schemeClr val="dk1"/>
                           </a:solidFill>
                           <a:latin typeface="微软雅黑" panose="020B0503020204020204" pitchFamily="34" charset="-122"/>
                           <a:ea typeface="微软雅黑" panose="020B0503020204020204" pitchFamily="34" charset="-122"/>
                           <a:cs typeface="Times New Roman" panose="02020603050405020304" pitchFamily="18" charset="0"/>
+                          <a:sym typeface="+mn-ea"/>
                         </a:rPr>
-                        <a:t>[6,8,9]</a:t>
+                        <a:t>[8</a:t>
                       </a:r>
-                    </a:p>
-                  </a:txBody>
-                  <a:tcPr marL="45720" marR="45720" anchor="ctr"/>
-                </a:tc>
-                <a:extLst>
-                  <a:ext uri="{0D108BD9-81ED-4DB2-BD59-A6C34878D82A}">
-                    <a16:rowId xmlns:a16="http://schemas.microsoft.com/office/drawing/2014/main" val="10001"/>
-                  </a:ext>
-                </a:extLst>
-              </a:tr>
-              <a:tr h="365760">
-                <a:tc>
-                  <a:txBody>
-                    <a:bodyPr/>
-                    <a:lstStyle/>
-                    <a:p>
-                      <a:pPr algn="ctr"/>
                       <a:r>
-                        <a:rPr lang="zh-CN" altLang="en-US" sz="1800">
+                        <a:rPr lang="zh-CN" altLang="en-US" sz="1400" b="0" kern="1200" dirty="0">
+                          <a:solidFill>
+                            <a:schemeClr val="dk1"/>
+                          </a:solidFill>
                           <a:latin typeface="微软雅黑" panose="020B0503020204020204" pitchFamily="34" charset="-122"/>
                           <a:ea typeface="微软雅黑" panose="020B0503020204020204" pitchFamily="34" charset="-122"/>
                           <a:cs typeface="Times New Roman" panose="02020603050405020304" pitchFamily="18" charset="0"/>
                           <a:sym typeface="+mn-ea"/>
                         </a:rPr>
-                        <a:t>基于生成</a:t>
+                        <a:t>，</a:t>
+                      </a:r>
+                      <a:r>
+                        <a:rPr lang="en-US" altLang="zh-CN" sz="1400" b="0" kern="1200" dirty="0">
+                          <a:solidFill>
+                            <a:schemeClr val="dk1"/>
+                          </a:solidFill>
+                          <a:latin typeface="微软雅黑" panose="020B0503020204020204" pitchFamily="34" charset="-122"/>
+                          <a:ea typeface="微软雅黑" panose="020B0503020204020204" pitchFamily="34" charset="-122"/>
+                          <a:cs typeface="Times New Roman" panose="02020603050405020304" pitchFamily="18" charset="0"/>
+                          <a:sym typeface="+mn-ea"/>
+                        </a:rPr>
+                        <a:t>9]</a:t>
                       </a:r>
                     </a:p>
                   </a:txBody>
@@ -10823,44 +13065,7 @@
                         <a:defRPr/>
                       </a:pPr>
                       <a:r>
-                        <a:rPr lang="en-US" altLang="zh-CN" sz="1800" kern="1200" dirty="0">
-                          <a:solidFill>
-                            <a:schemeClr val="dk1"/>
-                          </a:solidFill>
-                          <a:latin typeface="微软雅黑" panose="020B0503020204020204" pitchFamily="34" charset="-122"/>
-                          <a:ea typeface="微软雅黑" panose="020B0503020204020204" pitchFamily="34" charset="-122"/>
-                          <a:cs typeface="Times New Roman" panose="02020603050405020304" pitchFamily="18" charset="0"/>
-                          <a:sym typeface="+mn-ea"/>
-                        </a:rPr>
-                        <a:t>[7]</a:t>
-                      </a:r>
-                    </a:p>
-                  </a:txBody>
-                  <a:tcPr marL="45720" marR="45720" anchor="ctr"/>
-                </a:tc>
-                <a:tc>
-                  <a:txBody>
-                    <a:bodyPr/>
-                    <a:lstStyle/>
-                    <a:p>
-                      <a:pPr marL="0" marR="0" lvl="0" indent="0" algn="ctr" defTabSz="914400" rtl="0" eaLnBrk="1" fontAlgn="auto" latinLnBrk="0" hangingPunct="1">
-                        <a:lnSpc>
-                          <a:spcPct val="100000"/>
-                        </a:lnSpc>
-                        <a:spcBef>
-                          <a:spcPts val="0"/>
-                        </a:spcBef>
-                        <a:spcAft>
-                          <a:spcPts val="0"/>
-                        </a:spcAft>
-                        <a:buClrTx/>
-                        <a:buSzTx/>
-                        <a:buFontTx/>
-                        <a:buNone/>
-                        <a:defRPr/>
-                      </a:pPr>
-                      <a:r>
-                        <a:rPr lang="en-US" altLang="zh-CN" sz="1800" kern="1200" dirty="0">
+                        <a:rPr lang="en-US" altLang="zh-CN" sz="1400" b="0" kern="1200" dirty="0">
                           <a:solidFill>
                             <a:schemeClr val="dk1"/>
                           </a:solidFill>
